--- a/Prezentacija.pptx
+++ b/Prezentacija.pptx
@@ -11,9 +11,18 @@
     <p:sldId id="261" r:id="rId5"/>
     <p:sldId id="262" r:id="rId6"/>
     <p:sldId id="259" r:id="rId7"/>
-    <p:sldId id="263" r:id="rId8"/>
-    <p:sldId id="260" r:id="rId9"/>
-    <p:sldId id="264" r:id="rId10"/>
+    <p:sldId id="267" r:id="rId8"/>
+    <p:sldId id="269" r:id="rId9"/>
+    <p:sldId id="263" r:id="rId10"/>
+    <p:sldId id="268" r:id="rId11"/>
+    <p:sldId id="270" r:id="rId12"/>
+    <p:sldId id="271" r:id="rId13"/>
+    <p:sldId id="272" r:id="rId14"/>
+    <p:sldId id="273" r:id="rId15"/>
+    <p:sldId id="274" r:id="rId16"/>
+    <p:sldId id="275" r:id="rId17"/>
+    <p:sldId id="276" r:id="rId18"/>
+    <p:sldId id="277" r:id="rId19"/>
   </p:sldIdLst>
   <p:sldSz cx="12192000" cy="6858000"/>
   <p:notesSz cx="6858000" cy="9144000"/>
@@ -523,7 +532,7 @@
           <a:p>
             <a:fld id="{0770D443-0212-403E-894E-424BC2BEBD17}" type="datetimeFigureOut">
               <a:rPr lang="en-US" smtClean="0"/>
-              <a:t>12/16/2015</a:t>
+              <a:t>2/18/2016</a:t>
             </a:fld>
             <a:endParaRPr lang="en-US"/>
           </a:p>
@@ -702,7 +711,7 @@
           <a:p>
             <a:fld id="{0770D443-0212-403E-894E-424BC2BEBD17}" type="datetimeFigureOut">
               <a:rPr lang="en-US" smtClean="0"/>
-              <a:t>12/16/2015</a:t>
+              <a:t>2/18/2016</a:t>
             </a:fld>
             <a:endParaRPr lang="en-US"/>
           </a:p>
@@ -882,7 +891,7 @@
           <a:p>
             <a:fld id="{0770D443-0212-403E-894E-424BC2BEBD17}" type="datetimeFigureOut">
               <a:rPr lang="en-US" smtClean="0"/>
-              <a:t>12/16/2015</a:t>
+              <a:t>2/18/2016</a:t>
             </a:fld>
             <a:endParaRPr lang="en-US"/>
           </a:p>
@@ -1052,7 +1061,7 @@
           <a:p>
             <a:fld id="{0770D443-0212-403E-894E-424BC2BEBD17}" type="datetimeFigureOut">
               <a:rPr lang="en-US" smtClean="0"/>
-              <a:t>12/16/2015</a:t>
+              <a:t>2/18/2016</a:t>
             </a:fld>
             <a:endParaRPr lang="en-US"/>
           </a:p>
@@ -1365,7 +1374,7 @@
           <a:p>
             <a:fld id="{0770D443-0212-403E-894E-424BC2BEBD17}" type="datetimeFigureOut">
               <a:rPr lang="en-US" smtClean="0"/>
-              <a:t>12/16/2015</a:t>
+              <a:t>2/18/2016</a:t>
             </a:fld>
             <a:endParaRPr lang="en-US"/>
           </a:p>
@@ -1751,7 +1760,7 @@
           <a:p>
             <a:fld id="{0770D443-0212-403E-894E-424BC2BEBD17}" type="datetimeFigureOut">
               <a:rPr lang="en-US" smtClean="0"/>
-              <a:t>12/16/2015</a:t>
+              <a:t>2/18/2016</a:t>
             </a:fld>
             <a:endParaRPr lang="en-US"/>
           </a:p>
@@ -2185,7 +2194,7 @@
           <a:p>
             <a:fld id="{0770D443-0212-403E-894E-424BC2BEBD17}" type="datetimeFigureOut">
               <a:rPr lang="en-US" smtClean="0"/>
-              <a:t>12/16/2015</a:t>
+              <a:t>2/18/2016</a:t>
             </a:fld>
             <a:endParaRPr lang="en-US"/>
           </a:p>
@@ -2303,7 +2312,7 @@
           <a:p>
             <a:fld id="{0770D443-0212-403E-894E-424BC2BEBD17}" type="datetimeFigureOut">
               <a:rPr lang="en-US" smtClean="0"/>
-              <a:t>12/16/2015</a:t>
+              <a:t>2/18/2016</a:t>
             </a:fld>
             <a:endParaRPr lang="en-US"/>
           </a:p>
@@ -2398,7 +2407,7 @@
           <a:p>
             <a:fld id="{0770D443-0212-403E-894E-424BC2BEBD17}" type="datetimeFigureOut">
               <a:rPr lang="en-US" smtClean="0"/>
-              <a:t>12/16/2015</a:t>
+              <a:t>2/18/2016</a:t>
             </a:fld>
             <a:endParaRPr lang="en-US"/>
           </a:p>
@@ -2748,7 +2757,7 @@
           <a:p>
             <a:fld id="{0770D443-0212-403E-894E-424BC2BEBD17}" type="datetimeFigureOut">
               <a:rPr lang="en-US" smtClean="0"/>
-              <a:t>12/16/2015</a:t>
+              <a:t>2/18/2016</a:t>
             </a:fld>
             <a:endParaRPr lang="en-US"/>
           </a:p>
@@ -3173,7 +3182,7 @@
           <a:p>
             <a:fld id="{0770D443-0212-403E-894E-424BC2BEBD17}" type="datetimeFigureOut">
               <a:rPr lang="en-US" smtClean="0"/>
-              <a:t>12/16/2015</a:t>
+              <a:t>2/18/2016</a:t>
             </a:fld>
             <a:endParaRPr lang="en-US"/>
           </a:p>
@@ -3454,7 +3463,7 @@
           <a:p>
             <a:fld id="{0770D443-0212-403E-894E-424BC2BEBD17}" type="datetimeFigureOut">
               <a:rPr lang="en-US" smtClean="0"/>
-              <a:t>12/16/2015</a:t>
+              <a:t>2/18/2016</a:t>
             </a:fld>
             <a:endParaRPr lang="en-US"/>
           </a:p>
@@ -4048,7 +4057,11 @@
             <a:pPr algn="ctr"/>
             <a:r>
               <a:rPr lang="sr-Latn-RS" sz="4800" dirty="0" smtClean="0"/>
-              <a:t>Rješavanje ručno pisanih jednačina proizvoljnog stepena</a:t>
+              <a:t>Rešavanje </a:t>
+            </a:r>
+            <a:r>
+              <a:rPr lang="sr-Latn-RS" sz="4800" dirty="0" smtClean="0"/>
+              <a:t>ručno pisanih jednačina proizvoljnog stepena</a:t>
             </a:r>
             <a:endParaRPr lang="en-US" sz="4800" dirty="0"/>
           </a:p>
@@ -4111,11 +4124,7 @@
             </a:r>
             <a:r>
               <a:rPr lang="sr-Latn-RS" dirty="0" smtClean="0"/>
-              <a:t>Jocić</a:t>
-            </a:r>
-            <a:r>
-              <a:rPr lang="sr-Latn-RS" dirty="0" smtClean="0"/>
-              <a:t>	</a:t>
+              <a:t>Jocić	</a:t>
             </a:r>
           </a:p>
           <a:p>
@@ -4161,14 +4170,1807 @@
   </p:clrMapOvr>
   <mc:AlternateContent xmlns:mc="http://schemas.openxmlformats.org/markup-compatibility/2006">
     <mc:Choice xmlns:p14="http://schemas.microsoft.com/office/powerpoint/2010/main" Requires="p14">
-      <p:transition spd="slow" p14:dur="2000">
-        <p:circle/>
-      </p:transition>
+      <p:transition p14:dur="0"/>
     </mc:Choice>
     <mc:Fallback>
-      <p:transition spd="slow">
-        <p:circle/>
-      </p:transition>
+      <p:transition/>
+    </mc:Fallback>
+  </mc:AlternateContent>
+  <p:timing>
+    <p:tnLst>
+      <p:par>
+        <p:cTn id="1" dur="indefinite" restart="never" nodeType="tmRoot"/>
+      </p:par>
+    </p:tnLst>
+  </p:timing>
+</p:sld>
+</file>
+
+<file path=ppt/slides/slide10.xml><?xml version="1.0" encoding="utf-8"?>
+<p:sld xmlns:a="http://schemas.openxmlformats.org/drawingml/2006/main" xmlns:r="http://schemas.openxmlformats.org/officeDocument/2006/relationships" xmlns:p="http://schemas.openxmlformats.org/presentationml/2006/main">
+  <p:cSld>
+    <p:spTree>
+      <p:nvGrpSpPr>
+        <p:cNvPr id="1" name=""/>
+        <p:cNvGrpSpPr/>
+        <p:nvPr/>
+      </p:nvGrpSpPr>
+      <p:grpSpPr>
+        <a:xfrm>
+          <a:off x="0" y="0"/>
+          <a:ext cx="0" cy="0"/>
+          <a:chOff x="0" y="0"/>
+          <a:chExt cx="0" cy="0"/>
+        </a:xfrm>
+      </p:grpSpPr>
+      <p:sp>
+        <p:nvSpPr>
+          <p:cNvPr id="2" name="Title 1"/>
+          <p:cNvSpPr>
+            <a:spLocks noGrp="1"/>
+          </p:cNvSpPr>
+          <p:nvPr>
+            <p:ph type="title"/>
+          </p:nvPr>
+        </p:nvSpPr>
+        <p:spPr>
+          <a:solidFill>
+            <a:srgbClr val="00B0F0"/>
+          </a:solidFill>
+        </p:spPr>
+        <p:txBody>
+          <a:bodyPr>
+            <a:normAutofit/>
+          </a:bodyPr>
+          <a:lstStyle/>
+          <a:p>
+            <a:r>
+              <a:rPr lang="sr-Latn-RS" sz="4800" dirty="0" smtClean="0"/>
+              <a:t>Učitavanje neuronske mreže</a:t>
+            </a:r>
+            <a:endParaRPr lang="en-US" sz="4800" dirty="0"/>
+          </a:p>
+        </p:txBody>
+      </p:sp>
+      <p:sp>
+        <p:nvSpPr>
+          <p:cNvPr id="3" name="Content Placeholder 2"/>
+          <p:cNvSpPr>
+            <a:spLocks noGrp="1"/>
+          </p:cNvSpPr>
+          <p:nvPr>
+            <p:ph idx="1"/>
+          </p:nvPr>
+        </p:nvSpPr>
+        <p:spPr/>
+        <p:txBody>
+          <a:bodyPr/>
+          <a:lstStyle/>
+          <a:p>
+            <a:r>
+              <a:rPr lang="sr-Latn-RS" dirty="0" smtClean="0"/>
+              <a:t>Arhitektura i težina mreže učitavaju se iz pomenutih fajlova.</a:t>
+            </a:r>
+          </a:p>
+          <a:p>
+            <a:endParaRPr lang="sr-Latn-RS" dirty="0"/>
+          </a:p>
+          <a:p>
+            <a:endParaRPr lang="sr-Latn-RS" dirty="0" smtClean="0"/>
+          </a:p>
+          <a:p>
+            <a:pPr marL="0" indent="0">
+              <a:buNone/>
+            </a:pPr>
+            <a:endParaRPr lang="sr-Latn-RS" dirty="0" smtClean="0"/>
+          </a:p>
+          <a:p>
+            <a:r>
+              <a:rPr lang="sr-Latn-RS" dirty="0" smtClean="0"/>
+              <a:t>Klikom na dugme      vrši se učitavanje neuronske mreže, a zatim obrada učitane slike.</a:t>
+            </a:r>
+            <a:endParaRPr lang="en-US" dirty="0"/>
+          </a:p>
+        </p:txBody>
+      </p:sp>
+      <p:pic>
+        <p:nvPicPr>
+          <p:cNvPr id="2050" name="Picture 2" descr="https://scontent-fra3-1.xx.fbcdn.net/hphotos-xta1/v/t34.0-12/12746150_964193416991914_541390939_n.jpg?oh=1d7231358998cb4aed84926022166657&amp;oe=56C7DC1A"/>
+          <p:cNvPicPr>
+            <a:picLocks noChangeAspect="1" noChangeArrowheads="1"/>
+          </p:cNvPicPr>
+          <p:nvPr/>
+        </p:nvPicPr>
+        <p:blipFill>
+          <a:blip r:embed="rId2">
+            <a:extLst>
+              <a:ext uri="{28A0092B-C50C-407E-A947-70E740481C1C}">
+                <a14:useLocalDpi xmlns:a14="http://schemas.microsoft.com/office/drawing/2010/main" val="0"/>
+              </a:ext>
+            </a:extLst>
+          </a:blip>
+          <a:srcRect/>
+          <a:stretch>
+            <a:fillRect/>
+          </a:stretch>
+        </p:blipFill>
+        <p:spPr bwMode="auto">
+          <a:xfrm>
+            <a:off x="3706579" y="3937254"/>
+            <a:ext cx="247650" cy="209550"/>
+          </a:xfrm>
+          <a:prstGeom prst="rect">
+            <a:avLst/>
+          </a:prstGeom>
+          <a:noFill/>
+          <a:extLst>
+            <a:ext uri="{909E8E84-426E-40DD-AFC4-6F175D3DCCD1}">
+              <a14:hiddenFill xmlns:a14="http://schemas.microsoft.com/office/drawing/2010/main">
+                <a:solidFill>
+                  <a:srgbClr val="FFFFFF"/>
+                </a:solidFill>
+              </a14:hiddenFill>
+            </a:ext>
+          </a:extLst>
+        </p:spPr>
+      </p:pic>
+      <p:pic>
+        <p:nvPicPr>
+          <p:cNvPr id="3074" name="Picture 2" descr="https://scontent-fra3-1.xx.fbcdn.net/hphotos-xtp1/v/t34.0-12/12714008_964203926990863_1094348220_n.jpg?oh=825409786e99fa574f3e025cec9992c9&amp;oe=56C7AC81"/>
+          <p:cNvPicPr>
+            <a:picLocks noChangeAspect="1" noChangeArrowheads="1"/>
+          </p:cNvPicPr>
+          <p:nvPr/>
+        </p:nvPicPr>
+        <p:blipFill>
+          <a:blip r:embed="rId3">
+            <a:extLst>
+              <a:ext uri="{28A0092B-C50C-407E-A947-70E740481C1C}">
+                <a14:useLocalDpi xmlns:a14="http://schemas.microsoft.com/office/drawing/2010/main" val="0"/>
+              </a:ext>
+            </a:extLst>
+          </a:blip>
+          <a:srcRect/>
+          <a:stretch>
+            <a:fillRect/>
+          </a:stretch>
+        </p:blipFill>
+        <p:spPr bwMode="auto">
+          <a:xfrm>
+            <a:off x="2532594" y="2784613"/>
+            <a:ext cx="6765369" cy="533106"/>
+          </a:xfrm>
+          <a:prstGeom prst="rect">
+            <a:avLst/>
+          </a:prstGeom>
+          <a:noFill/>
+          <a:extLst>
+            <a:ext uri="{909E8E84-426E-40DD-AFC4-6F175D3DCCD1}">
+              <a14:hiddenFill xmlns:a14="http://schemas.microsoft.com/office/drawing/2010/main">
+                <a:solidFill>
+                  <a:srgbClr val="FFFFFF"/>
+                </a:solidFill>
+              </a14:hiddenFill>
+            </a:ext>
+          </a:extLst>
+        </p:spPr>
+      </p:pic>
+      <p:sp>
+        <p:nvSpPr>
+          <p:cNvPr id="6" name="TextBox 5"/>
+          <p:cNvSpPr txBox="1"/>
+          <p:nvPr/>
+        </p:nvSpPr>
+        <p:spPr>
+          <a:xfrm>
+            <a:off x="2912012" y="3367328"/>
+            <a:ext cx="5725550" cy="307777"/>
+          </a:xfrm>
+          <a:prstGeom prst="rect">
+            <a:avLst/>
+          </a:prstGeom>
+          <a:noFill/>
+        </p:spPr>
+        <p:txBody>
+          <a:bodyPr wrap="square" rtlCol="0">
+            <a:spAutoFit/>
+          </a:bodyPr>
+          <a:lstStyle/>
+          <a:p>
+            <a:pPr algn="ctr"/>
+            <a:r>
+              <a:rPr lang="sr-Latn-RS" sz="1400" dirty="0" smtClean="0"/>
+              <a:t>Slika 8.: Kod za učitavanje neuronske mreže</a:t>
+            </a:r>
+            <a:endParaRPr lang="en-US" sz="1400" dirty="0"/>
+          </a:p>
+        </p:txBody>
+      </p:sp>
+    </p:spTree>
+    <p:extLst>
+      <p:ext uri="{BB962C8B-B14F-4D97-AF65-F5344CB8AC3E}">
+        <p14:creationId xmlns:p14="http://schemas.microsoft.com/office/powerpoint/2010/main" val="2502655266"/>
+      </p:ext>
+    </p:extLst>
+  </p:cSld>
+  <p:clrMapOvr>
+    <a:masterClrMapping/>
+  </p:clrMapOvr>
+  <mc:AlternateContent xmlns:mc="http://schemas.openxmlformats.org/markup-compatibility/2006">
+    <mc:Choice xmlns:p14="http://schemas.microsoft.com/office/powerpoint/2010/main" Requires="p14">
+      <p:transition p14:dur="0"/>
+    </mc:Choice>
+    <mc:Fallback>
+      <p:transition/>
+    </mc:Fallback>
+  </mc:AlternateContent>
+  <p:timing>
+    <p:tnLst>
+      <p:par>
+        <p:cTn id="1" dur="indefinite" restart="never" nodeType="tmRoot"/>
+      </p:par>
+    </p:tnLst>
+  </p:timing>
+</p:sld>
+</file>
+
+<file path=ppt/slides/slide11.xml><?xml version="1.0" encoding="utf-8"?>
+<p:sld xmlns:a="http://schemas.openxmlformats.org/drawingml/2006/main" xmlns:r="http://schemas.openxmlformats.org/officeDocument/2006/relationships" xmlns:p="http://schemas.openxmlformats.org/presentationml/2006/main">
+  <p:cSld>
+    <p:spTree>
+      <p:nvGrpSpPr>
+        <p:cNvPr id="1" name=""/>
+        <p:cNvGrpSpPr/>
+        <p:nvPr/>
+      </p:nvGrpSpPr>
+      <p:grpSpPr>
+        <a:xfrm>
+          <a:off x="0" y="0"/>
+          <a:ext cx="0" cy="0"/>
+          <a:chOff x="0" y="0"/>
+          <a:chExt cx="0" cy="0"/>
+        </a:xfrm>
+      </p:grpSpPr>
+      <p:sp>
+        <p:nvSpPr>
+          <p:cNvPr id="2" name="Title 1"/>
+          <p:cNvSpPr>
+            <a:spLocks noGrp="1"/>
+          </p:cNvSpPr>
+          <p:nvPr>
+            <p:ph type="title"/>
+          </p:nvPr>
+        </p:nvSpPr>
+        <p:spPr>
+          <a:solidFill>
+            <a:srgbClr val="92D050"/>
+          </a:solidFill>
+        </p:spPr>
+        <p:txBody>
+          <a:bodyPr>
+            <a:normAutofit/>
+          </a:bodyPr>
+          <a:lstStyle/>
+          <a:p>
+            <a:r>
+              <a:rPr lang="sr-Latn-RS" sz="4800" dirty="0" smtClean="0"/>
+              <a:t>Obrada slike</a:t>
+            </a:r>
+            <a:endParaRPr lang="en-US" sz="4800" dirty="0"/>
+          </a:p>
+        </p:txBody>
+      </p:sp>
+      <p:sp>
+        <p:nvSpPr>
+          <p:cNvPr id="3" name="Content Placeholder 2"/>
+          <p:cNvSpPr>
+            <a:spLocks noGrp="1"/>
+          </p:cNvSpPr>
+          <p:nvPr>
+            <p:ph idx="1"/>
+          </p:nvPr>
+        </p:nvSpPr>
+        <p:spPr/>
+        <p:txBody>
+          <a:bodyPr/>
+          <a:lstStyle/>
+          <a:p>
+            <a:r>
+              <a:rPr lang="sr-Latn-RS" dirty="0" smtClean="0"/>
+              <a:t>Obrada učitane slike realizovana je u Python skripti koja se poziva iz glavne aplikacije. </a:t>
+            </a:r>
+          </a:p>
+          <a:p>
+            <a:r>
+              <a:rPr lang="sr-Latn-RS" dirty="0" smtClean="0"/>
+              <a:t>Kao parametar, skripti se prosleđuje putanja učitane slike.</a:t>
+            </a:r>
+          </a:p>
+          <a:p>
+            <a:r>
+              <a:rPr lang="sr-Latn-RS" dirty="0" smtClean="0"/>
+              <a:t>Nad učitanom slikom vrši se više metoda:</a:t>
+            </a:r>
+          </a:p>
+          <a:p>
+            <a:pPr marL="457200" indent="-457200">
+              <a:buFont typeface="+mj-lt"/>
+              <a:buAutoNum type="arabicPeriod"/>
+            </a:pPr>
+            <a:r>
+              <a:rPr lang="sr-Latn-RS" dirty="0" smtClean="0"/>
+              <a:t>Pretvaranje slike u nijanse sive(grayscale)</a:t>
+            </a:r>
+          </a:p>
+          <a:p>
+            <a:pPr marL="457200" indent="-457200">
+              <a:buFont typeface="+mj-lt"/>
+              <a:buAutoNum type="arabicPeriod"/>
+            </a:pPr>
+            <a:r>
+              <a:rPr lang="sr-Latn-RS" dirty="0" smtClean="0"/>
+              <a:t>Binarizacija slike(image_bin) – svakom pikselu dodeljuje se crna ili bela boja</a:t>
+            </a:r>
+          </a:p>
+          <a:p>
+            <a:pPr marL="457200" indent="-457200">
+              <a:buFont typeface="+mj-lt"/>
+              <a:buAutoNum type="arabicPeriod"/>
+            </a:pPr>
+            <a:r>
+              <a:rPr lang="sr-Latn-RS" dirty="0" smtClean="0"/>
+              <a:t>Invertovanje slike(invert) – mreža za regione prepoznaje samo bele površine na crnoj pozadini </a:t>
+            </a:r>
+          </a:p>
+          <a:p>
+            <a:pPr marL="457200" indent="-457200">
+              <a:buFont typeface="+mj-lt"/>
+              <a:buAutoNum type="arabicPeriod"/>
+            </a:pPr>
+            <a:r>
+              <a:rPr lang="sr-Latn-RS" dirty="0" smtClean="0"/>
+              <a:t>Prepoznavanje regiona od interesa (brojeva, slova i aritmetičkih operatora)</a:t>
+            </a:r>
+          </a:p>
+          <a:p>
+            <a:endParaRPr lang="sr-Latn-RS" dirty="0" smtClean="0"/>
+          </a:p>
+        </p:txBody>
+      </p:sp>
+    </p:spTree>
+    <p:extLst>
+      <p:ext uri="{BB962C8B-B14F-4D97-AF65-F5344CB8AC3E}">
+        <p14:creationId xmlns:p14="http://schemas.microsoft.com/office/powerpoint/2010/main" val="722452852"/>
+      </p:ext>
+    </p:extLst>
+  </p:cSld>
+  <p:clrMapOvr>
+    <a:masterClrMapping/>
+  </p:clrMapOvr>
+  <mc:AlternateContent xmlns:mc="http://schemas.openxmlformats.org/markup-compatibility/2006">
+    <mc:Choice xmlns:p14="http://schemas.microsoft.com/office/powerpoint/2010/main" Requires="p14">
+      <p:transition p14:dur="0"/>
+    </mc:Choice>
+    <mc:Fallback>
+      <p:transition/>
+    </mc:Fallback>
+  </mc:AlternateContent>
+  <p:timing>
+    <p:tnLst>
+      <p:par>
+        <p:cTn id="1" dur="indefinite" restart="never" nodeType="tmRoot"/>
+      </p:par>
+    </p:tnLst>
+  </p:timing>
+</p:sld>
+</file>
+
+<file path=ppt/slides/slide12.xml><?xml version="1.0" encoding="utf-8"?>
+<p:sld xmlns:a="http://schemas.openxmlformats.org/drawingml/2006/main" xmlns:r="http://schemas.openxmlformats.org/officeDocument/2006/relationships" xmlns:p="http://schemas.openxmlformats.org/presentationml/2006/main">
+  <p:cSld>
+    <p:spTree>
+      <p:nvGrpSpPr>
+        <p:cNvPr id="1" name=""/>
+        <p:cNvGrpSpPr/>
+        <p:nvPr/>
+      </p:nvGrpSpPr>
+      <p:grpSpPr>
+        <a:xfrm>
+          <a:off x="0" y="0"/>
+          <a:ext cx="0" cy="0"/>
+          <a:chOff x="0" y="0"/>
+          <a:chExt cx="0" cy="0"/>
+        </a:xfrm>
+      </p:grpSpPr>
+      <p:sp>
+        <p:nvSpPr>
+          <p:cNvPr id="2" name="Title 1"/>
+          <p:cNvSpPr>
+            <a:spLocks noGrp="1"/>
+          </p:cNvSpPr>
+          <p:nvPr>
+            <p:ph type="title"/>
+          </p:nvPr>
+        </p:nvSpPr>
+        <p:spPr>
+          <a:solidFill>
+            <a:srgbClr val="92D050"/>
+          </a:solidFill>
+        </p:spPr>
+        <p:txBody>
+          <a:bodyPr>
+            <a:normAutofit/>
+          </a:bodyPr>
+          <a:lstStyle/>
+          <a:p>
+            <a:r>
+              <a:rPr lang="sr-Latn-RS" sz="4800" dirty="0" smtClean="0"/>
+              <a:t>Obrada slike</a:t>
+            </a:r>
+            <a:endParaRPr lang="en-US" sz="4800" dirty="0"/>
+          </a:p>
+        </p:txBody>
+      </p:sp>
+      <p:sp>
+        <p:nvSpPr>
+          <p:cNvPr id="3" name="Content Placeholder 2"/>
+          <p:cNvSpPr>
+            <a:spLocks noGrp="1"/>
+          </p:cNvSpPr>
+          <p:nvPr>
+            <p:ph idx="1"/>
+          </p:nvPr>
+        </p:nvSpPr>
+        <p:spPr/>
+        <p:txBody>
+          <a:bodyPr/>
+          <a:lstStyle/>
+          <a:p>
+            <a:pPr marL="457200" indent="-457200">
+              <a:buFont typeface="+mj-lt"/>
+              <a:buAutoNum type="arabicPeriod" startAt="5"/>
+            </a:pPr>
+            <a:r>
+              <a:rPr lang="sr-Latn-RS" dirty="0" smtClean="0"/>
+              <a:t>Rotiranje regiona(rotate_regions)</a:t>
+            </a:r>
+          </a:p>
+          <a:p>
+            <a:pPr marL="457200" indent="-457200">
+              <a:buFont typeface="+mj-lt"/>
+              <a:buAutoNum type="arabicPeriod" startAt="5"/>
+            </a:pPr>
+            <a:r>
+              <a:rPr lang="sr-Latn-RS" dirty="0" smtClean="0"/>
+              <a:t>Spajanje određenih regiona, npr. = (merge_regions)</a:t>
+            </a:r>
+          </a:p>
+          <a:p>
+            <a:pPr marL="457200" indent="-457200">
+              <a:buFont typeface="+mj-lt"/>
+              <a:buAutoNum type="arabicPeriod" startAt="5"/>
+            </a:pPr>
+            <a:r>
+              <a:rPr lang="sr-Latn-RS" dirty="0" smtClean="0"/>
+              <a:t>Prikazivanje rezultata prepoznavanja (display_result)</a:t>
+            </a:r>
+          </a:p>
+          <a:p>
+            <a:endParaRPr lang="sr-Latn-RS" dirty="0" smtClean="0"/>
+          </a:p>
+        </p:txBody>
+      </p:sp>
+      <p:pic>
+        <p:nvPicPr>
+          <p:cNvPr id="6146" name="Picture 2" descr="https://scontent-fra3-1.xx.fbcdn.net/hphotos-xft1/v/t34.0-12/12746581_964223036988952_1161860459_n.jpg?oh=104f6a31cbacea6ea1f3185e804395f9&amp;oe=56C8CFC6"/>
+          <p:cNvPicPr>
+            <a:picLocks noChangeAspect="1" noChangeArrowheads="1"/>
+          </p:cNvPicPr>
+          <p:nvPr/>
+        </p:nvPicPr>
+        <p:blipFill>
+          <a:blip r:embed="rId2">
+            <a:extLst>
+              <a:ext uri="{28A0092B-C50C-407E-A947-70E740481C1C}">
+                <a14:useLocalDpi xmlns:a14="http://schemas.microsoft.com/office/drawing/2010/main" val="0"/>
+              </a:ext>
+            </a:extLst>
+          </a:blip>
+          <a:srcRect/>
+          <a:stretch>
+            <a:fillRect/>
+          </a:stretch>
+        </p:blipFill>
+        <p:spPr bwMode="auto">
+          <a:xfrm>
+            <a:off x="1069848" y="3390702"/>
+            <a:ext cx="4500831" cy="1336043"/>
+          </a:xfrm>
+          <a:prstGeom prst="rect">
+            <a:avLst/>
+          </a:prstGeom>
+          <a:noFill/>
+          <a:extLst>
+            <a:ext uri="{909E8E84-426E-40DD-AFC4-6F175D3DCCD1}">
+              <a14:hiddenFill xmlns:a14="http://schemas.microsoft.com/office/drawing/2010/main">
+                <a:solidFill>
+                  <a:srgbClr val="FFFFFF"/>
+                </a:solidFill>
+              </a14:hiddenFill>
+            </a:ext>
+          </a:extLst>
+        </p:spPr>
+      </p:pic>
+      <p:pic>
+        <p:nvPicPr>
+          <p:cNvPr id="6148" name="Picture 4" descr="https://scontent-fra3-1.xx.fbcdn.net/hphotos-xpf1/v/t34.0-12/12714357_964223810322208_297846181_n.jpg?oh=06f168c32ae79d8c11278aefc75e1573&amp;oe=56C8DD79"/>
+          <p:cNvPicPr>
+            <a:picLocks noChangeAspect="1" noChangeArrowheads="1"/>
+          </p:cNvPicPr>
+          <p:nvPr/>
+        </p:nvPicPr>
+        <p:blipFill>
+          <a:blip r:embed="rId3">
+            <a:extLst>
+              <a:ext uri="{28A0092B-C50C-407E-A947-70E740481C1C}">
+                <a14:useLocalDpi xmlns:a14="http://schemas.microsoft.com/office/drawing/2010/main" val="0"/>
+              </a:ext>
+            </a:extLst>
+          </a:blip>
+          <a:srcRect/>
+          <a:stretch>
+            <a:fillRect/>
+          </a:stretch>
+        </p:blipFill>
+        <p:spPr bwMode="auto">
+          <a:xfrm>
+            <a:off x="6627417" y="3390702"/>
+            <a:ext cx="4500831" cy="1336043"/>
+          </a:xfrm>
+          <a:prstGeom prst="rect">
+            <a:avLst/>
+          </a:prstGeom>
+          <a:noFill/>
+          <a:extLst>
+            <a:ext uri="{909E8E84-426E-40DD-AFC4-6F175D3DCCD1}">
+              <a14:hiddenFill xmlns:a14="http://schemas.microsoft.com/office/drawing/2010/main">
+                <a:solidFill>
+                  <a:srgbClr val="FFFFFF"/>
+                </a:solidFill>
+              </a14:hiddenFill>
+            </a:ext>
+          </a:extLst>
+        </p:spPr>
+      </p:pic>
+      <p:pic>
+        <p:nvPicPr>
+          <p:cNvPr id="6150" name="Picture 6" descr="https://scontent-fra3-1.xx.fbcdn.net/hphotos-xat1/v/t34.0-12/12721675_964224106988845_1597984274_n.jpg?oh=e34ec6e98ca269bb650e03a2b3a53522&amp;oe=56C8F0DB"/>
+          <p:cNvPicPr>
+            <a:picLocks noChangeAspect="1" noChangeArrowheads="1"/>
+          </p:cNvPicPr>
+          <p:nvPr/>
+        </p:nvPicPr>
+        <p:blipFill>
+          <a:blip r:embed="rId4">
+            <a:extLst>
+              <a:ext uri="{28A0092B-C50C-407E-A947-70E740481C1C}">
+                <a14:useLocalDpi xmlns:a14="http://schemas.microsoft.com/office/drawing/2010/main" val="0"/>
+              </a:ext>
+            </a:extLst>
+          </a:blip>
+          <a:srcRect/>
+          <a:stretch>
+            <a:fillRect/>
+          </a:stretch>
+        </p:blipFill>
+        <p:spPr bwMode="auto">
+          <a:xfrm>
+            <a:off x="6627416" y="4890863"/>
+            <a:ext cx="4500831" cy="1336043"/>
+          </a:xfrm>
+          <a:prstGeom prst="rect">
+            <a:avLst/>
+          </a:prstGeom>
+          <a:noFill/>
+          <a:extLst>
+            <a:ext uri="{909E8E84-426E-40DD-AFC4-6F175D3DCCD1}">
+              <a14:hiddenFill xmlns:a14="http://schemas.microsoft.com/office/drawing/2010/main">
+                <a:solidFill>
+                  <a:srgbClr val="FFFFFF"/>
+                </a:solidFill>
+              </a14:hiddenFill>
+            </a:ext>
+          </a:extLst>
+        </p:spPr>
+      </p:pic>
+      <p:pic>
+        <p:nvPicPr>
+          <p:cNvPr id="6152" name="Picture 8" descr="https://scontent-fra3-1.xx.fbcdn.net/hphotos-xft1/v/t34.0-12/12442786_964224300322159_1258952188_n.jpg?oh=9658397075044fb206269bf38549d6c7&amp;oe=56C8E7BD"/>
+          <p:cNvPicPr>
+            <a:picLocks noChangeAspect="1" noChangeArrowheads="1"/>
+          </p:cNvPicPr>
+          <p:nvPr/>
+        </p:nvPicPr>
+        <p:blipFill>
+          <a:blip r:embed="rId5">
+            <a:extLst>
+              <a:ext uri="{28A0092B-C50C-407E-A947-70E740481C1C}">
+                <a14:useLocalDpi xmlns:a14="http://schemas.microsoft.com/office/drawing/2010/main" val="0"/>
+              </a:ext>
+            </a:extLst>
+          </a:blip>
+          <a:srcRect/>
+          <a:stretch>
+            <a:fillRect/>
+          </a:stretch>
+        </p:blipFill>
+        <p:spPr bwMode="auto">
+          <a:xfrm>
+            <a:off x="1069848" y="4890863"/>
+            <a:ext cx="4500831" cy="1281337"/>
+          </a:xfrm>
+          <a:prstGeom prst="rect">
+            <a:avLst/>
+          </a:prstGeom>
+          <a:noFill/>
+          <a:extLst>
+            <a:ext uri="{909E8E84-426E-40DD-AFC4-6F175D3DCCD1}">
+              <a14:hiddenFill xmlns:a14="http://schemas.microsoft.com/office/drawing/2010/main">
+                <a:solidFill>
+                  <a:srgbClr val="FFFFFF"/>
+                </a:solidFill>
+              </a14:hiddenFill>
+            </a:ext>
+          </a:extLst>
+        </p:spPr>
+      </p:pic>
+      <p:sp>
+        <p:nvSpPr>
+          <p:cNvPr id="4" name="Curved Left Arrow 3"/>
+          <p:cNvSpPr/>
+          <p:nvPr/>
+        </p:nvSpPr>
+        <p:spPr>
+          <a:xfrm>
+            <a:off x="11290856" y="4121834"/>
+            <a:ext cx="582276" cy="1519311"/>
+          </a:xfrm>
+          <a:prstGeom prst="curvedLeftArrow">
+            <a:avLst/>
+          </a:prstGeom>
+        </p:spPr>
+        <p:style>
+          <a:lnRef idx="2">
+            <a:schemeClr val="accent1">
+              <a:shade val="50000"/>
+            </a:schemeClr>
+          </a:lnRef>
+          <a:fillRef idx="1">
+            <a:schemeClr val="accent1"/>
+          </a:fillRef>
+          <a:effectRef idx="0">
+            <a:schemeClr val="accent1"/>
+          </a:effectRef>
+          <a:fontRef idx="minor">
+            <a:schemeClr val="lt1"/>
+          </a:fontRef>
+        </p:style>
+        <p:txBody>
+          <a:bodyPr rtlCol="0" anchor="ctr"/>
+          <a:lstStyle/>
+          <a:p>
+            <a:pPr algn="ctr"/>
+            <a:endParaRPr lang="en-US">
+              <a:solidFill>
+                <a:schemeClr val="tx1"/>
+              </a:solidFill>
+            </a:endParaRPr>
+          </a:p>
+        </p:txBody>
+      </p:sp>
+      <p:sp>
+        <p:nvSpPr>
+          <p:cNvPr id="5" name="Right Arrow 4"/>
+          <p:cNvSpPr/>
+          <p:nvPr/>
+        </p:nvSpPr>
+        <p:spPr>
+          <a:xfrm>
+            <a:off x="5711482" y="3816407"/>
+            <a:ext cx="820498" cy="484632"/>
+          </a:xfrm>
+          <a:prstGeom prst="rightArrow">
+            <a:avLst/>
+          </a:prstGeom>
+        </p:spPr>
+        <p:style>
+          <a:lnRef idx="2">
+            <a:schemeClr val="accent1">
+              <a:shade val="50000"/>
+            </a:schemeClr>
+          </a:lnRef>
+          <a:fillRef idx="1">
+            <a:schemeClr val="accent1"/>
+          </a:fillRef>
+          <a:effectRef idx="0">
+            <a:schemeClr val="accent1"/>
+          </a:effectRef>
+          <a:fontRef idx="minor">
+            <a:schemeClr val="lt1"/>
+          </a:fontRef>
+        </p:style>
+        <p:txBody>
+          <a:bodyPr rtlCol="0" anchor="ctr"/>
+          <a:lstStyle/>
+          <a:p>
+            <a:pPr algn="ctr"/>
+            <a:endParaRPr lang="en-US"/>
+          </a:p>
+        </p:txBody>
+      </p:sp>
+      <p:sp>
+        <p:nvSpPr>
+          <p:cNvPr id="6" name="Right Arrow 5"/>
+          <p:cNvSpPr/>
+          <p:nvPr/>
+        </p:nvSpPr>
+        <p:spPr>
+          <a:xfrm rot="10800000">
+            <a:off x="5711482" y="5360061"/>
+            <a:ext cx="820498" cy="484632"/>
+          </a:xfrm>
+          <a:prstGeom prst="rightArrow">
+            <a:avLst/>
+          </a:prstGeom>
+        </p:spPr>
+        <p:style>
+          <a:lnRef idx="2">
+            <a:schemeClr val="accent1">
+              <a:shade val="50000"/>
+            </a:schemeClr>
+          </a:lnRef>
+          <a:fillRef idx="1">
+            <a:schemeClr val="accent1"/>
+          </a:fillRef>
+          <a:effectRef idx="0">
+            <a:schemeClr val="accent1"/>
+          </a:effectRef>
+          <a:fontRef idx="minor">
+            <a:schemeClr val="lt1"/>
+          </a:fontRef>
+        </p:style>
+        <p:txBody>
+          <a:bodyPr rtlCol="0" anchor="ctr"/>
+          <a:lstStyle/>
+          <a:p>
+            <a:pPr algn="ctr"/>
+            <a:endParaRPr lang="en-US"/>
+          </a:p>
+        </p:txBody>
+      </p:sp>
+      <p:sp>
+        <p:nvSpPr>
+          <p:cNvPr id="7" name="TextBox 6"/>
+          <p:cNvSpPr txBox="1"/>
+          <p:nvPr/>
+        </p:nvSpPr>
+        <p:spPr>
+          <a:xfrm>
+            <a:off x="1434905" y="6330462"/>
+            <a:ext cx="9523827" cy="307777"/>
+          </a:xfrm>
+          <a:prstGeom prst="rect">
+            <a:avLst/>
+          </a:prstGeom>
+          <a:noFill/>
+        </p:spPr>
+        <p:txBody>
+          <a:bodyPr wrap="square" rtlCol="0">
+            <a:spAutoFit/>
+          </a:bodyPr>
+          <a:lstStyle/>
+          <a:p>
+            <a:pPr algn="ctr"/>
+            <a:r>
+              <a:rPr lang="sr-Latn-RS" sz="1400" dirty="0" smtClean="0"/>
+              <a:t>Slika 9.: Redosled obrade slike (Koraci 1., 2., 3.) </a:t>
+            </a:r>
+            <a:endParaRPr lang="en-US" sz="1400" dirty="0"/>
+          </a:p>
+        </p:txBody>
+      </p:sp>
+    </p:spTree>
+    <p:extLst>
+      <p:ext uri="{BB962C8B-B14F-4D97-AF65-F5344CB8AC3E}">
+        <p14:creationId xmlns:p14="http://schemas.microsoft.com/office/powerpoint/2010/main" val="2760050966"/>
+      </p:ext>
+    </p:extLst>
+  </p:cSld>
+  <p:clrMapOvr>
+    <a:masterClrMapping/>
+  </p:clrMapOvr>
+  <mc:AlternateContent xmlns:mc="http://schemas.openxmlformats.org/markup-compatibility/2006">
+    <mc:Choice xmlns:p14="http://schemas.microsoft.com/office/powerpoint/2010/main" Requires="p14">
+      <p:transition p14:dur="0"/>
+    </mc:Choice>
+    <mc:Fallback>
+      <p:transition/>
+    </mc:Fallback>
+  </mc:AlternateContent>
+  <p:timing>
+    <p:tnLst>
+      <p:par>
+        <p:cTn id="1" dur="indefinite" restart="never" nodeType="tmRoot"/>
+      </p:par>
+    </p:tnLst>
+  </p:timing>
+</p:sld>
+</file>
+
+<file path=ppt/slides/slide13.xml><?xml version="1.0" encoding="utf-8"?>
+<p:sld xmlns:a="http://schemas.openxmlformats.org/drawingml/2006/main" xmlns:r="http://schemas.openxmlformats.org/officeDocument/2006/relationships" xmlns:p="http://schemas.openxmlformats.org/presentationml/2006/main">
+  <p:cSld>
+    <p:spTree>
+      <p:nvGrpSpPr>
+        <p:cNvPr id="1" name=""/>
+        <p:cNvGrpSpPr/>
+        <p:nvPr/>
+      </p:nvGrpSpPr>
+      <p:grpSpPr>
+        <a:xfrm>
+          <a:off x="0" y="0"/>
+          <a:ext cx="0" cy="0"/>
+          <a:chOff x="0" y="0"/>
+          <a:chExt cx="0" cy="0"/>
+        </a:xfrm>
+      </p:grpSpPr>
+      <p:sp>
+        <p:nvSpPr>
+          <p:cNvPr id="2" name="Title 1"/>
+          <p:cNvSpPr>
+            <a:spLocks noGrp="1"/>
+          </p:cNvSpPr>
+          <p:nvPr>
+            <p:ph type="title"/>
+          </p:nvPr>
+        </p:nvSpPr>
+        <p:spPr>
+          <a:solidFill>
+            <a:srgbClr val="7030A0"/>
+          </a:solidFill>
+        </p:spPr>
+        <p:txBody>
+          <a:bodyPr>
+            <a:normAutofit/>
+          </a:bodyPr>
+          <a:lstStyle/>
+          <a:p>
+            <a:r>
+              <a:rPr lang="sr-Latn-RS" sz="4800" dirty="0" smtClean="0"/>
+              <a:t>Jednačina za rešavanje</a:t>
+            </a:r>
+            <a:endParaRPr lang="en-US" sz="4800" dirty="0"/>
+          </a:p>
+        </p:txBody>
+      </p:sp>
+      <p:sp>
+        <p:nvSpPr>
+          <p:cNvPr id="3" name="Content Placeholder 2"/>
+          <p:cNvSpPr>
+            <a:spLocks noGrp="1"/>
+          </p:cNvSpPr>
+          <p:nvPr>
+            <p:ph idx="1"/>
+          </p:nvPr>
+        </p:nvSpPr>
+        <p:spPr/>
+        <p:txBody>
+          <a:bodyPr/>
+          <a:lstStyle/>
+          <a:p>
+            <a:r>
+              <a:rPr lang="sr-Latn-RS" dirty="0" smtClean="0"/>
+              <a:t>Nakon obrade slike, Python skripta (read.py) vraća prepoznatu jednačinu.</a:t>
+            </a:r>
+          </a:p>
+        </p:txBody>
+      </p:sp>
+      <p:pic>
+        <p:nvPicPr>
+          <p:cNvPr id="8194" name="Picture 2" descr="https://scontent-fra3-1.xx.fbcdn.net/hphotos-xft1/v/t35.0-12/12755326_964270336984222_1470321963_o.jpg?oh=7ae2f6bd2974a7129713f134ef9c461f&amp;oe=56C8CCDE"/>
+          <p:cNvPicPr>
+            <a:picLocks noChangeAspect="1" noChangeArrowheads="1"/>
+          </p:cNvPicPr>
+          <p:nvPr/>
+        </p:nvPicPr>
+        <p:blipFill>
+          <a:blip r:embed="rId2">
+            <a:extLst>
+              <a:ext uri="{28A0092B-C50C-407E-A947-70E740481C1C}">
+                <a14:useLocalDpi xmlns:a14="http://schemas.microsoft.com/office/drawing/2010/main" val="0"/>
+              </a:ext>
+            </a:extLst>
+          </a:blip>
+          <a:srcRect/>
+          <a:stretch>
+            <a:fillRect/>
+          </a:stretch>
+        </p:blipFill>
+        <p:spPr bwMode="auto">
+          <a:xfrm>
+            <a:off x="2077629" y="2675406"/>
+            <a:ext cx="8042838" cy="3524226"/>
+          </a:xfrm>
+          <a:prstGeom prst="rect">
+            <a:avLst/>
+          </a:prstGeom>
+          <a:noFill/>
+          <a:extLst>
+            <a:ext uri="{909E8E84-426E-40DD-AFC4-6F175D3DCCD1}">
+              <a14:hiddenFill xmlns:a14="http://schemas.microsoft.com/office/drawing/2010/main">
+                <a:solidFill>
+                  <a:srgbClr val="FFFFFF"/>
+                </a:solidFill>
+              </a14:hiddenFill>
+            </a:ext>
+          </a:extLst>
+        </p:spPr>
+      </p:pic>
+      <p:sp>
+        <p:nvSpPr>
+          <p:cNvPr id="8" name="TextBox 7"/>
+          <p:cNvSpPr txBox="1"/>
+          <p:nvPr/>
+        </p:nvSpPr>
+        <p:spPr>
+          <a:xfrm>
+            <a:off x="2138992" y="6324565"/>
+            <a:ext cx="7920111" cy="307777"/>
+          </a:xfrm>
+          <a:prstGeom prst="rect">
+            <a:avLst/>
+          </a:prstGeom>
+          <a:noFill/>
+        </p:spPr>
+        <p:txBody>
+          <a:bodyPr wrap="square" rtlCol="0">
+            <a:spAutoFit/>
+          </a:bodyPr>
+          <a:lstStyle/>
+          <a:p>
+            <a:pPr algn="ctr"/>
+            <a:r>
+              <a:rPr lang="sr-Latn-RS" sz="1400" dirty="0" smtClean="0"/>
+              <a:t>Slika 10.: Prepoznata jednačina</a:t>
+            </a:r>
+            <a:endParaRPr lang="en-US" sz="1400" dirty="0"/>
+          </a:p>
+        </p:txBody>
+      </p:sp>
+    </p:spTree>
+    <p:extLst>
+      <p:ext uri="{BB962C8B-B14F-4D97-AF65-F5344CB8AC3E}">
+        <p14:creationId xmlns:p14="http://schemas.microsoft.com/office/powerpoint/2010/main" val="3628170326"/>
+      </p:ext>
+    </p:extLst>
+  </p:cSld>
+  <p:clrMapOvr>
+    <a:masterClrMapping/>
+  </p:clrMapOvr>
+  <mc:AlternateContent xmlns:mc="http://schemas.openxmlformats.org/markup-compatibility/2006">
+    <mc:Choice xmlns:p14="http://schemas.microsoft.com/office/powerpoint/2010/main" Requires="p14">
+      <p:transition p14:dur="0"/>
+    </mc:Choice>
+    <mc:Fallback>
+      <p:transition/>
+    </mc:Fallback>
+  </mc:AlternateContent>
+  <p:timing>
+    <p:tnLst>
+      <p:par>
+        <p:cTn id="1" dur="indefinite" restart="never" nodeType="tmRoot"/>
+      </p:par>
+    </p:tnLst>
+  </p:timing>
+</p:sld>
+</file>
+
+<file path=ppt/slides/slide14.xml><?xml version="1.0" encoding="utf-8"?>
+<p:sld xmlns:a="http://schemas.openxmlformats.org/drawingml/2006/main" xmlns:r="http://schemas.openxmlformats.org/officeDocument/2006/relationships" xmlns:p="http://schemas.openxmlformats.org/presentationml/2006/main">
+  <p:cSld>
+    <p:spTree>
+      <p:nvGrpSpPr>
+        <p:cNvPr id="1" name=""/>
+        <p:cNvGrpSpPr/>
+        <p:nvPr/>
+      </p:nvGrpSpPr>
+      <p:grpSpPr>
+        <a:xfrm>
+          <a:off x="0" y="0"/>
+          <a:ext cx="0" cy="0"/>
+          <a:chOff x="0" y="0"/>
+          <a:chExt cx="0" cy="0"/>
+        </a:xfrm>
+      </p:grpSpPr>
+      <p:sp>
+        <p:nvSpPr>
+          <p:cNvPr id="2" name="Title 1"/>
+          <p:cNvSpPr>
+            <a:spLocks noGrp="1"/>
+          </p:cNvSpPr>
+          <p:nvPr>
+            <p:ph type="title"/>
+          </p:nvPr>
+        </p:nvSpPr>
+        <p:spPr>
+          <a:solidFill>
+            <a:srgbClr val="0070C0"/>
+          </a:solidFill>
+        </p:spPr>
+        <p:txBody>
+          <a:bodyPr>
+            <a:normAutofit/>
+          </a:bodyPr>
+          <a:lstStyle/>
+          <a:p>
+            <a:pPr algn="ctr"/>
+            <a:r>
+              <a:rPr lang="sr-Latn-RS" sz="4600" dirty="0" smtClean="0"/>
+              <a:t>Slanje jednačine na wolfram alpha</a:t>
+            </a:r>
+            <a:endParaRPr lang="en-US" sz="4600" dirty="0"/>
+          </a:p>
+        </p:txBody>
+      </p:sp>
+      <p:sp>
+        <p:nvSpPr>
+          <p:cNvPr id="3" name="Content Placeholder 2"/>
+          <p:cNvSpPr>
+            <a:spLocks noGrp="1"/>
+          </p:cNvSpPr>
+          <p:nvPr>
+            <p:ph idx="1"/>
+          </p:nvPr>
+        </p:nvSpPr>
+        <p:spPr/>
+        <p:txBody>
+          <a:bodyPr/>
+          <a:lstStyle/>
+          <a:p>
+            <a:r>
+              <a:rPr lang="sr-Latn-RS" dirty="0" smtClean="0"/>
+              <a:t>Jednačina se šalje na Wolfram Alpha pomoću aplikacionog programskog interfejsa (</a:t>
+            </a:r>
+            <a:r>
+              <a:rPr lang="en-US" b="1" dirty="0">
+                <a:hlinkClick r:id="rId2"/>
+              </a:rPr>
+              <a:t>Application programming </a:t>
+            </a:r>
+            <a:r>
+              <a:rPr lang="en-US" b="1" dirty="0" smtClean="0">
+                <a:hlinkClick r:id="rId2"/>
+              </a:rPr>
+              <a:t>interface</a:t>
+            </a:r>
+            <a:r>
+              <a:rPr lang="sr-Latn-RS" b="1" dirty="0" smtClean="0"/>
+              <a:t> - API</a:t>
+            </a:r>
+            <a:r>
+              <a:rPr lang="sr-Latn-RS" dirty="0" smtClean="0"/>
+              <a:t>).</a:t>
+            </a:r>
+          </a:p>
+          <a:p>
+            <a:r>
+              <a:rPr lang="sr-Latn-RS" dirty="0" smtClean="0"/>
+              <a:t>Wolfram Alpha je </a:t>
+            </a:r>
+            <a:r>
+              <a:rPr lang="sr-Latn-RS" dirty="0"/>
+              <a:t>online servis </a:t>
+            </a:r>
+            <a:r>
+              <a:rPr lang="sr-Latn-RS" dirty="0" smtClean="0"/>
+              <a:t>koji daje direktne odgovore na konkretna pitanja pomoću ogromne baze podataka i </a:t>
+            </a:r>
+            <a:r>
+              <a:rPr lang="sr-Latn-RS" dirty="0"/>
+              <a:t>ugrađenih algoritama </a:t>
+            </a:r>
+            <a:r>
+              <a:rPr lang="sr-Latn-RS" dirty="0" smtClean="0"/>
+              <a:t>(</a:t>
+            </a:r>
+            <a:r>
+              <a:rPr lang="sr-Latn-RS" dirty="0" smtClean="0">
+                <a:hlinkClick r:id="rId3"/>
+              </a:rPr>
+              <a:t>WolframAlpha</a:t>
+            </a:r>
+            <a:r>
+              <a:rPr lang="sr-Latn-RS" dirty="0" smtClean="0"/>
+              <a:t>).</a:t>
+            </a:r>
+          </a:p>
+          <a:p>
+            <a:endParaRPr lang="sr-Latn-RS" dirty="0" smtClean="0"/>
+          </a:p>
+        </p:txBody>
+      </p:sp>
+      <p:pic>
+        <p:nvPicPr>
+          <p:cNvPr id="9218" name="Picture 2" descr="https://scontent-fra3-1.xx.fbcdn.net/hphotos-xlp1/v/t34.0-12/12421278_964273416983914_384985200_n.jpg?oh=a002e62acc007fc71691495922f53bde&amp;oe=56C7FCC4"/>
+          <p:cNvPicPr>
+            <a:picLocks noChangeAspect="1" noChangeArrowheads="1"/>
+          </p:cNvPicPr>
+          <p:nvPr/>
+        </p:nvPicPr>
+        <p:blipFill>
+          <a:blip r:embed="rId4">
+            <a:extLst>
+              <a:ext uri="{28A0092B-C50C-407E-A947-70E740481C1C}">
+                <a14:useLocalDpi xmlns:a14="http://schemas.microsoft.com/office/drawing/2010/main" val="0"/>
+              </a:ext>
+            </a:extLst>
+          </a:blip>
+          <a:srcRect/>
+          <a:stretch>
+            <a:fillRect/>
+          </a:stretch>
+        </p:blipFill>
+        <p:spPr bwMode="auto">
+          <a:xfrm>
+            <a:off x="3602159" y="4044006"/>
+            <a:ext cx="4950998" cy="1502743"/>
+          </a:xfrm>
+          <a:prstGeom prst="rect">
+            <a:avLst/>
+          </a:prstGeom>
+          <a:noFill/>
+          <a:ln>
+            <a:solidFill>
+              <a:schemeClr val="tx1"/>
+            </a:solidFill>
+          </a:ln>
+          <a:extLst>
+            <a:ext uri="{909E8E84-426E-40DD-AFC4-6F175D3DCCD1}">
+              <a14:hiddenFill xmlns:a14="http://schemas.microsoft.com/office/drawing/2010/main">
+                <a:solidFill>
+                  <a:srgbClr val="FFFFFF"/>
+                </a:solidFill>
+              </a14:hiddenFill>
+            </a:ext>
+          </a:extLst>
+        </p:spPr>
+      </p:pic>
+      <p:sp>
+        <p:nvSpPr>
+          <p:cNvPr id="4" name="TextBox 3"/>
+          <p:cNvSpPr txBox="1"/>
+          <p:nvPr/>
+        </p:nvSpPr>
+        <p:spPr>
+          <a:xfrm>
+            <a:off x="3602159" y="5795889"/>
+            <a:ext cx="4950998" cy="307777"/>
+          </a:xfrm>
+          <a:prstGeom prst="rect">
+            <a:avLst/>
+          </a:prstGeom>
+          <a:noFill/>
+        </p:spPr>
+        <p:txBody>
+          <a:bodyPr wrap="square" rtlCol="0">
+            <a:spAutoFit/>
+          </a:bodyPr>
+          <a:lstStyle/>
+          <a:p>
+            <a:pPr algn="ctr"/>
+            <a:r>
+              <a:rPr lang="sr-Latn-RS" sz="1400" dirty="0" smtClean="0"/>
+              <a:t>Slika11.: Kod za slanje upita na WA servis</a:t>
+            </a:r>
+            <a:endParaRPr lang="en-US" sz="1400" dirty="0"/>
+          </a:p>
+        </p:txBody>
+      </p:sp>
+    </p:spTree>
+    <p:extLst>
+      <p:ext uri="{BB962C8B-B14F-4D97-AF65-F5344CB8AC3E}">
+        <p14:creationId xmlns:p14="http://schemas.microsoft.com/office/powerpoint/2010/main" val="2334441185"/>
+      </p:ext>
+    </p:extLst>
+  </p:cSld>
+  <p:clrMapOvr>
+    <a:masterClrMapping/>
+  </p:clrMapOvr>
+  <mc:AlternateContent xmlns:mc="http://schemas.openxmlformats.org/markup-compatibility/2006">
+    <mc:Choice xmlns:p14="http://schemas.microsoft.com/office/powerpoint/2010/main" Requires="p14">
+      <p:transition p14:dur="0"/>
+    </mc:Choice>
+    <mc:Fallback>
+      <p:transition/>
+    </mc:Fallback>
+  </mc:AlternateContent>
+  <p:timing>
+    <p:tnLst>
+      <p:par>
+        <p:cTn id="1" dur="indefinite" restart="never" nodeType="tmRoot"/>
+      </p:par>
+    </p:tnLst>
+  </p:timing>
+</p:sld>
+</file>
+
+<file path=ppt/slides/slide15.xml><?xml version="1.0" encoding="utf-8"?>
+<p:sld xmlns:a="http://schemas.openxmlformats.org/drawingml/2006/main" xmlns:r="http://schemas.openxmlformats.org/officeDocument/2006/relationships" xmlns:p="http://schemas.openxmlformats.org/presentationml/2006/main">
+  <p:cSld>
+    <p:spTree>
+      <p:nvGrpSpPr>
+        <p:cNvPr id="1" name=""/>
+        <p:cNvGrpSpPr/>
+        <p:nvPr/>
+      </p:nvGrpSpPr>
+      <p:grpSpPr>
+        <a:xfrm>
+          <a:off x="0" y="0"/>
+          <a:ext cx="0" cy="0"/>
+          <a:chOff x="0" y="0"/>
+          <a:chExt cx="0" cy="0"/>
+        </a:xfrm>
+      </p:grpSpPr>
+      <p:sp>
+        <p:nvSpPr>
+          <p:cNvPr id="2" name="Title 1"/>
+          <p:cNvSpPr>
+            <a:spLocks noGrp="1"/>
+          </p:cNvSpPr>
+          <p:nvPr>
+            <p:ph type="title"/>
+          </p:nvPr>
+        </p:nvSpPr>
+        <p:spPr>
+          <a:solidFill>
+            <a:schemeClr val="accent1">
+              <a:lumMod val="40000"/>
+              <a:lumOff val="60000"/>
+            </a:schemeClr>
+          </a:solidFill>
+        </p:spPr>
+        <p:txBody>
+          <a:bodyPr>
+            <a:normAutofit/>
+          </a:bodyPr>
+          <a:lstStyle/>
+          <a:p>
+            <a:pPr algn="ctr"/>
+            <a:r>
+              <a:rPr lang="sr-Latn-RS" sz="4600" dirty="0" smtClean="0"/>
+              <a:t>Dobijanje odgovora od wolfram alpha</a:t>
+            </a:r>
+            <a:endParaRPr lang="en-US" sz="4600" dirty="0"/>
+          </a:p>
+        </p:txBody>
+      </p:sp>
+      <p:sp>
+        <p:nvSpPr>
+          <p:cNvPr id="3" name="Content Placeholder 2"/>
+          <p:cNvSpPr>
+            <a:spLocks noGrp="1"/>
+          </p:cNvSpPr>
+          <p:nvPr>
+            <p:ph idx="1"/>
+          </p:nvPr>
+        </p:nvSpPr>
+        <p:spPr/>
+        <p:txBody>
+          <a:bodyPr/>
+          <a:lstStyle/>
+          <a:p>
+            <a:r>
+              <a:rPr lang="sr-Latn-RS" dirty="0" smtClean="0"/>
+              <a:t>Nakon izvršavanja upita, servis vraća rezultat raspoređen po sekcijama, u zavisnosti od prirode rešenja. </a:t>
+            </a:r>
+          </a:p>
+        </p:txBody>
+      </p:sp>
+      <p:pic>
+        <p:nvPicPr>
+          <p:cNvPr id="10242" name="Picture 2" descr="https://scontent-fra3-1.xx.fbcdn.net/hphotos-xpt1/v/t34.0-12/12736023_964279563649966_1584880906_n.jpg?oh=2aeacb582ccef8534a5b73796a3c2e5c&amp;oe=56C80920"/>
+          <p:cNvPicPr>
+            <a:picLocks noChangeAspect="1" noChangeArrowheads="1"/>
+          </p:cNvPicPr>
+          <p:nvPr/>
+        </p:nvPicPr>
+        <p:blipFill>
+          <a:blip r:embed="rId2">
+            <a:extLst>
+              <a:ext uri="{28A0092B-C50C-407E-A947-70E740481C1C}">
+                <a14:useLocalDpi xmlns:a14="http://schemas.microsoft.com/office/drawing/2010/main" val="0"/>
+              </a:ext>
+            </a:extLst>
+          </a:blip>
+          <a:srcRect/>
+          <a:stretch>
+            <a:fillRect/>
+          </a:stretch>
+        </p:blipFill>
+        <p:spPr bwMode="auto">
+          <a:xfrm>
+            <a:off x="3335305" y="2972653"/>
+            <a:ext cx="5527485" cy="2772737"/>
+          </a:xfrm>
+          <a:prstGeom prst="rect">
+            <a:avLst/>
+          </a:prstGeom>
+          <a:noFill/>
+          <a:ln>
+            <a:solidFill>
+              <a:schemeClr val="tx1"/>
+            </a:solidFill>
+          </a:ln>
+          <a:extLst>
+            <a:ext uri="{909E8E84-426E-40DD-AFC4-6F175D3DCCD1}">
+              <a14:hiddenFill xmlns:a14="http://schemas.microsoft.com/office/drawing/2010/main">
+                <a:solidFill>
+                  <a:srgbClr val="FFFFFF"/>
+                </a:solidFill>
+              </a14:hiddenFill>
+            </a:ext>
+          </a:extLst>
+        </p:spPr>
+      </p:pic>
+      <p:sp>
+        <p:nvSpPr>
+          <p:cNvPr id="5" name="TextBox 4"/>
+          <p:cNvSpPr txBox="1"/>
+          <p:nvPr/>
+        </p:nvSpPr>
+        <p:spPr>
+          <a:xfrm>
+            <a:off x="3335305" y="5894363"/>
+            <a:ext cx="5527485" cy="307777"/>
+          </a:xfrm>
+          <a:prstGeom prst="rect">
+            <a:avLst/>
+          </a:prstGeom>
+          <a:noFill/>
+        </p:spPr>
+        <p:txBody>
+          <a:bodyPr wrap="square" rtlCol="0">
+            <a:spAutoFit/>
+          </a:bodyPr>
+          <a:lstStyle/>
+          <a:p>
+            <a:pPr algn="ctr"/>
+            <a:r>
+              <a:rPr lang="sr-Latn-RS" sz="1400" dirty="0" smtClean="0"/>
+              <a:t>Slika 12.: Kod za generisanje rezultata </a:t>
+            </a:r>
+            <a:endParaRPr lang="en-US" sz="1400" dirty="0"/>
+          </a:p>
+        </p:txBody>
+      </p:sp>
+    </p:spTree>
+    <p:extLst>
+      <p:ext uri="{BB962C8B-B14F-4D97-AF65-F5344CB8AC3E}">
+        <p14:creationId xmlns:p14="http://schemas.microsoft.com/office/powerpoint/2010/main" val="30583212"/>
+      </p:ext>
+    </p:extLst>
+  </p:cSld>
+  <p:clrMapOvr>
+    <a:masterClrMapping/>
+  </p:clrMapOvr>
+  <mc:AlternateContent xmlns:mc="http://schemas.openxmlformats.org/markup-compatibility/2006">
+    <mc:Choice xmlns:p14="http://schemas.microsoft.com/office/powerpoint/2010/main" Requires="p14">
+      <p:transition p14:dur="0"/>
+    </mc:Choice>
+    <mc:Fallback>
+      <p:transition/>
+    </mc:Fallback>
+  </mc:AlternateContent>
+  <p:timing>
+    <p:tnLst>
+      <p:par>
+        <p:cTn id="1" dur="indefinite" restart="never" nodeType="tmRoot"/>
+      </p:par>
+    </p:tnLst>
+  </p:timing>
+</p:sld>
+</file>
+
+<file path=ppt/slides/slide16.xml><?xml version="1.0" encoding="utf-8"?>
+<p:sld xmlns:a="http://schemas.openxmlformats.org/drawingml/2006/main" xmlns:r="http://schemas.openxmlformats.org/officeDocument/2006/relationships" xmlns:p="http://schemas.openxmlformats.org/presentationml/2006/main">
+  <p:cSld>
+    <p:spTree>
+      <p:nvGrpSpPr>
+        <p:cNvPr id="1" name=""/>
+        <p:cNvGrpSpPr/>
+        <p:nvPr/>
+      </p:nvGrpSpPr>
+      <p:grpSpPr>
+        <a:xfrm>
+          <a:off x="0" y="0"/>
+          <a:ext cx="0" cy="0"/>
+          <a:chOff x="0" y="0"/>
+          <a:chExt cx="0" cy="0"/>
+        </a:xfrm>
+      </p:grpSpPr>
+      <p:sp>
+        <p:nvSpPr>
+          <p:cNvPr id="2" name="Title 1"/>
+          <p:cNvSpPr>
+            <a:spLocks noGrp="1"/>
+          </p:cNvSpPr>
+          <p:nvPr>
+            <p:ph type="title"/>
+          </p:nvPr>
+        </p:nvSpPr>
+        <p:spPr>
+          <a:xfrm>
+            <a:off x="1069848" y="512064"/>
+            <a:ext cx="10058400" cy="1609344"/>
+          </a:xfrm>
+          <a:solidFill>
+            <a:schemeClr val="tx2"/>
+          </a:solidFill>
+        </p:spPr>
+        <p:txBody>
+          <a:bodyPr>
+            <a:normAutofit/>
+          </a:bodyPr>
+          <a:lstStyle/>
+          <a:p>
+            <a:r>
+              <a:rPr lang="sr-Latn-RS" sz="4800" dirty="0" smtClean="0"/>
+              <a:t>Prikaz rešenja jednačine</a:t>
+            </a:r>
+            <a:endParaRPr lang="en-US" sz="4800" dirty="0"/>
+          </a:p>
+        </p:txBody>
+      </p:sp>
+      <p:sp>
+        <p:nvSpPr>
+          <p:cNvPr id="3" name="Content Placeholder 2"/>
+          <p:cNvSpPr>
+            <a:spLocks noGrp="1"/>
+          </p:cNvSpPr>
+          <p:nvPr>
+            <p:ph idx="1"/>
+          </p:nvPr>
+        </p:nvSpPr>
+        <p:spPr/>
+        <p:txBody>
+          <a:bodyPr/>
+          <a:lstStyle/>
+          <a:p>
+            <a:r>
+              <a:rPr lang="sr-Latn-RS" dirty="0" smtClean="0"/>
+              <a:t>Za generisani rezultat vrši se prikaz u formi glavne aplikacije.</a:t>
+            </a:r>
+            <a:endParaRPr lang="sr-Latn-RS" dirty="0" smtClean="0"/>
+          </a:p>
+        </p:txBody>
+      </p:sp>
+      <p:sp>
+        <p:nvSpPr>
+          <p:cNvPr id="5" name="TextBox 4"/>
+          <p:cNvSpPr txBox="1"/>
+          <p:nvPr/>
+        </p:nvSpPr>
+        <p:spPr>
+          <a:xfrm>
+            <a:off x="3110217" y="5894363"/>
+            <a:ext cx="5527485" cy="307777"/>
+          </a:xfrm>
+          <a:prstGeom prst="rect">
+            <a:avLst/>
+          </a:prstGeom>
+          <a:noFill/>
+        </p:spPr>
+        <p:txBody>
+          <a:bodyPr wrap="square" rtlCol="0">
+            <a:spAutoFit/>
+          </a:bodyPr>
+          <a:lstStyle/>
+          <a:p>
+            <a:pPr algn="ctr"/>
+            <a:r>
+              <a:rPr lang="sr-Latn-RS" sz="1400" dirty="0" smtClean="0"/>
+              <a:t>Slika 13.: Prikazivanje rešenja jednačine </a:t>
+            </a:r>
+            <a:endParaRPr lang="en-US" sz="1400" dirty="0"/>
+          </a:p>
+        </p:txBody>
+      </p:sp>
+      <p:pic>
+        <p:nvPicPr>
+          <p:cNvPr id="11266" name="Picture 2" descr="https://scontent-fra3-1.xx.fbcdn.net/hphotos-xtp1/v/t34.0-12/12735905_964282076983048_765511039_n.jpg?oh=a6b6b034b1d4adcfaefc8024910d9c4f&amp;oe=56C8BEE6"/>
+          <p:cNvPicPr>
+            <a:picLocks noChangeAspect="1" noChangeArrowheads="1"/>
+          </p:cNvPicPr>
+          <p:nvPr/>
+        </p:nvPicPr>
+        <p:blipFill>
+          <a:blip r:embed="rId2">
+            <a:extLst>
+              <a:ext uri="{28A0092B-C50C-407E-A947-70E740481C1C}">
+                <a14:useLocalDpi xmlns:a14="http://schemas.microsoft.com/office/drawing/2010/main" val="0"/>
+              </a:ext>
+            </a:extLst>
+          </a:blip>
+          <a:srcRect/>
+          <a:stretch>
+            <a:fillRect/>
+          </a:stretch>
+        </p:blipFill>
+        <p:spPr bwMode="auto">
+          <a:xfrm>
+            <a:off x="3658431" y="2632062"/>
+            <a:ext cx="4627440" cy="3029484"/>
+          </a:xfrm>
+          <a:prstGeom prst="rect">
+            <a:avLst/>
+          </a:prstGeom>
+          <a:noFill/>
+          <a:extLst>
+            <a:ext uri="{909E8E84-426E-40DD-AFC4-6F175D3DCCD1}">
+              <a14:hiddenFill xmlns:a14="http://schemas.microsoft.com/office/drawing/2010/main">
+                <a:solidFill>
+                  <a:srgbClr val="FFFFFF"/>
+                </a:solidFill>
+              </a14:hiddenFill>
+            </a:ext>
+          </a:extLst>
+        </p:spPr>
+      </p:pic>
+    </p:spTree>
+    <p:extLst>
+      <p:ext uri="{BB962C8B-B14F-4D97-AF65-F5344CB8AC3E}">
+        <p14:creationId xmlns:p14="http://schemas.microsoft.com/office/powerpoint/2010/main" val="29657998"/>
+      </p:ext>
+    </p:extLst>
+  </p:cSld>
+  <p:clrMapOvr>
+    <a:masterClrMapping/>
+  </p:clrMapOvr>
+  <mc:AlternateContent xmlns:mc="http://schemas.openxmlformats.org/markup-compatibility/2006">
+    <mc:Choice xmlns:p14="http://schemas.microsoft.com/office/powerpoint/2010/main" Requires="p14">
+      <p:transition p14:dur="0"/>
+    </mc:Choice>
+    <mc:Fallback>
+      <p:transition/>
+    </mc:Fallback>
+  </mc:AlternateContent>
+  <p:timing>
+    <p:tnLst>
+      <p:par>
+        <p:cTn id="1" dur="indefinite" restart="never" nodeType="tmRoot"/>
+      </p:par>
+    </p:tnLst>
+  </p:timing>
+</p:sld>
+</file>
+
+<file path=ppt/slides/slide17.xml><?xml version="1.0" encoding="utf-8"?>
+<p:sld xmlns:a="http://schemas.openxmlformats.org/drawingml/2006/main" xmlns:r="http://schemas.openxmlformats.org/officeDocument/2006/relationships" xmlns:p="http://schemas.openxmlformats.org/presentationml/2006/main">
+  <p:cSld>
+    <p:spTree>
+      <p:nvGrpSpPr>
+        <p:cNvPr id="1" name=""/>
+        <p:cNvGrpSpPr/>
+        <p:nvPr/>
+      </p:nvGrpSpPr>
+      <p:grpSpPr>
+        <a:xfrm>
+          <a:off x="0" y="0"/>
+          <a:ext cx="0" cy="0"/>
+          <a:chOff x="0" y="0"/>
+          <a:chExt cx="0" cy="0"/>
+        </a:xfrm>
+      </p:grpSpPr>
+      <p:sp>
+        <p:nvSpPr>
+          <p:cNvPr id="2" name="Title 1"/>
+          <p:cNvSpPr>
+            <a:spLocks noGrp="1"/>
+          </p:cNvSpPr>
+          <p:nvPr>
+            <p:ph type="title"/>
+          </p:nvPr>
+        </p:nvSpPr>
+        <p:spPr/>
+        <p:txBody>
+          <a:bodyPr/>
+          <a:lstStyle/>
+          <a:p>
+            <a:endParaRPr lang="en-US"/>
+          </a:p>
+        </p:txBody>
+      </p:sp>
+      <p:sp>
+        <p:nvSpPr>
+          <p:cNvPr id="3" name="Content Placeholder 2"/>
+          <p:cNvSpPr>
+            <a:spLocks noGrp="1"/>
+          </p:cNvSpPr>
+          <p:nvPr>
+            <p:ph idx="1"/>
+          </p:nvPr>
+        </p:nvSpPr>
+        <p:spPr/>
+        <p:txBody>
+          <a:bodyPr/>
+          <a:lstStyle/>
+          <a:p>
+            <a:endParaRPr lang="en-US"/>
+          </a:p>
+        </p:txBody>
+      </p:sp>
+      <p:pic>
+        <p:nvPicPr>
+          <p:cNvPr id="12290" name="Picture 2" descr="https://scontent-fra3-1.xx.fbcdn.net/hphotos-xtp1/v/t35.0-12/12754881_964285433649379_600656402_o.jpg?oh=e2d1bd6c2cc0f5fbdbcab0b874668ad6&amp;oe=56C8E17E"/>
+          <p:cNvPicPr>
+            <a:picLocks noChangeAspect="1" noChangeArrowheads="1"/>
+          </p:cNvPicPr>
+          <p:nvPr/>
+        </p:nvPicPr>
+        <p:blipFill>
+          <a:blip r:embed="rId2">
+            <a:extLst>
+              <a:ext uri="{28A0092B-C50C-407E-A947-70E740481C1C}">
+                <a14:useLocalDpi xmlns:a14="http://schemas.microsoft.com/office/drawing/2010/main" val="0"/>
+              </a:ext>
+            </a:extLst>
+          </a:blip>
+          <a:srcRect/>
+          <a:stretch>
+            <a:fillRect/>
+          </a:stretch>
+        </p:blipFill>
+        <p:spPr bwMode="auto">
+          <a:xfrm>
+            <a:off x="1069848" y="484633"/>
+            <a:ext cx="10058399" cy="5687568"/>
+          </a:xfrm>
+          <a:prstGeom prst="rect">
+            <a:avLst/>
+          </a:prstGeom>
+          <a:noFill/>
+          <a:extLst>
+            <a:ext uri="{909E8E84-426E-40DD-AFC4-6F175D3DCCD1}">
+              <a14:hiddenFill xmlns:a14="http://schemas.microsoft.com/office/drawing/2010/main">
+                <a:solidFill>
+                  <a:srgbClr val="FFFFFF"/>
+                </a:solidFill>
+              </a14:hiddenFill>
+            </a:ext>
+          </a:extLst>
+        </p:spPr>
+      </p:pic>
+      <p:sp>
+        <p:nvSpPr>
+          <p:cNvPr id="4" name="TextBox 3"/>
+          <p:cNvSpPr txBox="1"/>
+          <p:nvPr/>
+        </p:nvSpPr>
+        <p:spPr>
+          <a:xfrm>
+            <a:off x="3249637" y="6316394"/>
+            <a:ext cx="5922498" cy="307777"/>
+          </a:xfrm>
+          <a:prstGeom prst="rect">
+            <a:avLst/>
+          </a:prstGeom>
+          <a:noFill/>
+        </p:spPr>
+        <p:txBody>
+          <a:bodyPr wrap="square" rtlCol="0">
+            <a:spAutoFit/>
+          </a:bodyPr>
+          <a:lstStyle/>
+          <a:p>
+            <a:pPr algn="ctr"/>
+            <a:r>
+              <a:rPr lang="sr-Latn-RS" sz="1400" dirty="0" smtClean="0"/>
+              <a:t>Slika 14.: Izgled glavne aplikacije</a:t>
+            </a:r>
+            <a:endParaRPr lang="en-US" sz="1400" dirty="0"/>
+          </a:p>
+        </p:txBody>
+      </p:sp>
+    </p:spTree>
+    <p:extLst>
+      <p:ext uri="{BB962C8B-B14F-4D97-AF65-F5344CB8AC3E}">
+        <p14:creationId xmlns:p14="http://schemas.microsoft.com/office/powerpoint/2010/main" val="1994633830"/>
+      </p:ext>
+    </p:extLst>
+  </p:cSld>
+  <p:clrMapOvr>
+    <a:masterClrMapping/>
+  </p:clrMapOvr>
+  <mc:AlternateContent xmlns:mc="http://schemas.openxmlformats.org/markup-compatibility/2006">
+    <mc:Choice xmlns:p14="http://schemas.microsoft.com/office/powerpoint/2010/main" Requires="p14">
+      <p:transition p14:dur="0"/>
+    </mc:Choice>
+    <mc:Fallback>
+      <p:transition/>
+    </mc:Fallback>
+  </mc:AlternateContent>
+  <p:timing>
+    <p:tnLst>
+      <p:par>
+        <p:cTn id="1" dur="indefinite" restart="never" nodeType="tmRoot"/>
+      </p:par>
+    </p:tnLst>
+  </p:timing>
+</p:sld>
+</file>
+
+<file path=ppt/slides/slide18.xml><?xml version="1.0" encoding="utf-8"?>
+<p:sld xmlns:a="http://schemas.openxmlformats.org/drawingml/2006/main" xmlns:r="http://schemas.openxmlformats.org/officeDocument/2006/relationships" xmlns:p="http://schemas.openxmlformats.org/presentationml/2006/main">
+  <p:cSld>
+    <p:spTree>
+      <p:nvGrpSpPr>
+        <p:cNvPr id="1" name=""/>
+        <p:cNvGrpSpPr/>
+        <p:nvPr/>
+      </p:nvGrpSpPr>
+      <p:grpSpPr>
+        <a:xfrm>
+          <a:off x="0" y="0"/>
+          <a:ext cx="0" cy="0"/>
+          <a:chOff x="0" y="0"/>
+          <a:chExt cx="0" cy="0"/>
+        </a:xfrm>
+      </p:grpSpPr>
+      <p:sp>
+        <p:nvSpPr>
+          <p:cNvPr id="2" name="Title 1"/>
+          <p:cNvSpPr>
+            <a:spLocks noGrp="1"/>
+          </p:cNvSpPr>
+          <p:nvPr>
+            <p:ph type="title"/>
+          </p:nvPr>
+        </p:nvSpPr>
+        <p:spPr>
+          <a:xfrm>
+            <a:off x="1379337" y="2440042"/>
+            <a:ext cx="10058400" cy="1609344"/>
+          </a:xfrm>
+        </p:spPr>
+        <p:txBody>
+          <a:bodyPr/>
+          <a:lstStyle/>
+          <a:p>
+            <a:pPr algn="ctr"/>
+            <a:r>
+              <a:rPr lang="sr-Latn-RS" dirty="0" smtClean="0"/>
+              <a:t>HVALA!</a:t>
+            </a:r>
+            <a:endParaRPr lang="en-US" dirty="0"/>
+          </a:p>
+        </p:txBody>
+      </p:sp>
+    </p:spTree>
+    <p:extLst>
+      <p:ext uri="{BB962C8B-B14F-4D97-AF65-F5344CB8AC3E}">
+        <p14:creationId xmlns:p14="http://schemas.microsoft.com/office/powerpoint/2010/main" val="2151146488"/>
+      </p:ext>
+    </p:extLst>
+  </p:cSld>
+  <p:clrMapOvr>
+    <a:masterClrMapping/>
+  </p:clrMapOvr>
+  <mc:AlternateContent xmlns:mc="http://schemas.openxmlformats.org/markup-compatibility/2006">
+    <mc:Choice xmlns:p14="http://schemas.microsoft.com/office/powerpoint/2010/main" Requires="p14">
+      <p:transition p14:dur="0"/>
+    </mc:Choice>
+    <mc:Fallback>
+      <p:transition/>
     </mc:Fallback>
   </mc:AlternateContent>
   <p:timing>
@@ -4241,7 +6043,7 @@
             <a:pPr algn="just"/>
             <a:r>
               <a:rPr lang="sr-Latn-RS" dirty="0" smtClean="0"/>
-              <a:t>Da bismo riješili neku jednostavnu jednačinu, potrebni su nam olovka, papir i osnovno znanje. Međutim, za rješavanje malo kompleksnijih jednačina potrebno je da budemo jako dobri matematičari </a:t>
+              <a:t>Da bismo rešili neku jednostavnu jednačinu, potrebni su nam olovka, papir i osnovno znanje. Međutim, za rešavanje malo kompleksnijih jednačina potrebno je da budemo jako dobri matematičari </a:t>
             </a:r>
             <a:r>
               <a:rPr lang="sr-Latn-RS" dirty="0" smtClean="0">
@@ -4259,29 +6061,29 @@
             </a:r>
             <a:r>
               <a:rPr lang="sr-Latn-RS" dirty="0" smtClean="0"/>
-              <a:t> današnje vrijeme postoji mnogo računarskih alata i internet sajtova koji olakšavaju problem rješavanja jednačine unosom njenih </a:t>
-            </a:r>
+              <a:t> današnje vreme postoji mnogo računarskih alata i internet sajtova koji olakšavaju problem rešavanja jednačine unosom njenih parametara. Sa druge strane, moramo da unosimo sve te jednačine u program. </a:t>
+            </a:r>
+          </a:p>
+          <a:p>
+            <a:pPr algn="just"/>
             <a:r>
               <a:rPr lang="sr-Latn-RS" dirty="0" smtClean="0"/>
-              <a:t>parametara. Sa </a:t>
+              <a:t>Koristeći znanje iz oblasti neuronskih mreža, moguće je obučiti neuronsku mrežu da prepozna rukom pisane jednačine i potom, primenom odgovarajućeg algoritma iste i </a:t>
             </a:r>
             <a:r>
               <a:rPr lang="sr-Latn-RS" dirty="0" smtClean="0"/>
-              <a:t>druge strane, moramo da unosimo sve te jednačine u program. </a:t>
+              <a:t>reši</a:t>
+            </a:r>
+            <a:r>
+              <a:rPr lang="sr-Latn-RS" dirty="0" smtClean="0"/>
+              <a:t>. </a:t>
             </a:r>
           </a:p>
           <a:p>
             <a:pPr algn="just"/>
             <a:r>
               <a:rPr lang="sr-Latn-RS" dirty="0" smtClean="0"/>
-              <a:t>Koristeći znanje iz oblasti neuronskih mreža, moguće je obučiti neuronsku mrežu da prepozna rukom pisane jednačine i potom, primjenom odgovarajućeg algoritma iste i riješiti. </a:t>
-            </a:r>
-          </a:p>
-          <a:p>
-            <a:pPr algn="just"/>
-            <a:r>
-              <a:rPr lang="sr-Latn-RS" dirty="0" smtClean="0"/>
-              <a:t>U daljem izlaganju biće izloženi referentni primjeri, kao i način i koraci implementacije našeg projekta.</a:t>
+              <a:t>U daljem izlaganju biće izloženi referentni primeri, kao i način i koraci implementacije našeg projekta.</a:t>
             </a:r>
             <a:endParaRPr lang="en-US" dirty="0"/>
           </a:p>
@@ -4298,15 +6100,11 @@
     <a:masterClrMapping/>
   </p:clrMapOvr>
   <mc:AlternateContent xmlns:mc="http://schemas.openxmlformats.org/markup-compatibility/2006">
-    <mc:Choice xmlns:p15="http://schemas.microsoft.com/office/powerpoint/2012/main" Requires="p15">
-      <p:transition xmlns:p14="http://schemas.microsoft.com/office/powerpoint/2010/main" spd="slow" p14:dur="2000">
-        <p15:prstTrans prst="wind"/>
-      </p:transition>
+    <mc:Choice xmlns:p14="http://schemas.microsoft.com/office/powerpoint/2010/main" Requires="p14">
+      <p:transition p14:dur="0"/>
     </mc:Choice>
     <mc:Fallback>
-      <p:transition spd="slow">
-        <p:fade/>
-      </p:transition>
+      <p:transition/>
     </mc:Fallback>
   </mc:AlternateContent>
   <p:timing>
@@ -4355,7 +6153,11 @@
           <a:p>
             <a:r>
               <a:rPr lang="sr-Latn-RS" sz="4800" dirty="0" smtClean="0"/>
-              <a:t>Slična rješenja</a:t>
+              <a:t>Slična </a:t>
+            </a:r>
+            <a:r>
+              <a:rPr lang="sr-Latn-RS" sz="4800" dirty="0" smtClean="0"/>
+              <a:t>rešenja</a:t>
             </a:r>
             <a:endParaRPr lang="en-US" sz="4800" dirty="0"/>
           </a:p>
@@ -4381,18 +6183,14 @@
             </a:pPr>
             <a:r>
               <a:rPr lang="sr-Latn-RS" dirty="0" smtClean="0"/>
-              <a:t>Postoje razni primjeri rješenja sa ovakvom tematikom, kao što su:</a:t>
+              <a:t>Postoje razni primeri rešenja sa ovakvom tematikom, kao što su:</a:t>
             </a:r>
           </a:p>
           <a:p>
             <a:pPr algn="just"/>
             <a:r>
               <a:rPr lang="sr-Latn-RS" dirty="0" smtClean="0"/>
-              <a:t>prepoznavanje rukom pisanih slova, </a:t>
-            </a:r>
-            <a:r>
-              <a:rPr lang="sr-Latn-RS" dirty="0" smtClean="0"/>
-              <a:t>cifara</a:t>
+              <a:t>prepoznavanje rukom pisanih slova, cifara</a:t>
             </a:r>
             <a:r>
               <a:rPr lang="en-US" dirty="0" smtClean="0"/>
@@ -4406,32 +6204,19 @@
               <a:rPr lang="sr-Latn-RS" dirty="0" smtClean="0"/>
               <a:t>čkih operatora</a:t>
             </a:r>
-            <a:endParaRPr lang="sr-Latn-RS" dirty="0" smtClean="0"/>
           </a:p>
           <a:p>
             <a:pPr algn="just"/>
             <a:r>
               <a:rPr lang="sr-Latn-RS" dirty="0" smtClean="0"/>
-              <a:t>rješavanje </a:t>
-            </a:r>
+              <a:t>rešavanje jednostavnih rukom pisanih linearnih jednačina</a:t>
+            </a:r>
+          </a:p>
+          <a:p>
+            <a:pPr algn="just"/>
             <a:r>
               <a:rPr lang="sr-Latn-RS" dirty="0" smtClean="0"/>
-              <a:t>jednostavnih rukom pisanih linearnih </a:t>
-            </a:r>
-            <a:r>
-              <a:rPr lang="sr-Latn-RS" dirty="0" smtClean="0"/>
-              <a:t>jednačina</a:t>
-            </a:r>
-          </a:p>
-          <a:p>
-            <a:pPr algn="just"/>
-            <a:r>
-              <a:rPr lang="sr-Latn-RS" dirty="0"/>
-              <a:t>r</a:t>
-            </a:r>
-            <a:r>
-              <a:rPr lang="sr-Latn-RS" dirty="0" smtClean="0"/>
-              <a:t>ješavanje različitih vrsta jednačina unošenjem parametara jednačine u program</a:t>
+              <a:t>rešavanje različitih vrsta jednačina unošenjem parametara jednačine u program</a:t>
             </a:r>
           </a:p>
           <a:p>
@@ -4440,7 +6225,7 @@
             </a:pPr>
             <a:r>
               <a:rPr lang="sr-Latn-RS" dirty="0" smtClean="0"/>
-              <a:t>Istraživanjem u domenu našeg problema nismo pronašli rješenja koja se bave i prepoznavanjem ručno pisanih jednačina i rješavanjem istih upotrebom algoritama.</a:t>
+              <a:t>Istraživanjem u domenu našeg problema nismo pronašli rešenja koja se bave i prepoznavanjem ručno pisanih jednačina i rešavanjem istih upotrebom algoritama.</a:t>
             </a:r>
             <a:endParaRPr lang="en-US" dirty="0" smtClean="0"/>
           </a:p>
@@ -4477,15 +6262,11 @@
     <a:masterClrMapping/>
   </p:clrMapOvr>
   <mc:AlternateContent xmlns:mc="http://schemas.openxmlformats.org/markup-compatibility/2006">
-    <mc:Choice xmlns:p15="http://schemas.microsoft.com/office/powerpoint/2012/main" Requires="p15">
-      <p:transition xmlns:p14="http://schemas.microsoft.com/office/powerpoint/2010/main" spd="slow" p14:dur="2000">
-        <p15:prstTrans prst="wind"/>
-      </p:transition>
+    <mc:Choice xmlns:p14="http://schemas.microsoft.com/office/powerpoint/2010/main" Requires="p14">
+      <p:transition p14:dur="0"/>
     </mc:Choice>
     <mc:Fallback>
-      <p:transition spd="slow">
-        <p:fade/>
-      </p:transition>
+      <p:transition/>
     </mc:Fallback>
   </mc:AlternateContent>
   <p:timing>
@@ -4582,7 +6363,7 @@
         <p:spPr>
           <a:xfrm>
             <a:off x="643945" y="4855335"/>
-            <a:ext cx="5180594" cy="307777"/>
+            <a:ext cx="5180594" cy="523220"/>
           </a:xfrm>
           <a:prstGeom prst="rect">
             <a:avLst/>
@@ -4595,9 +6376,18 @@
           </a:bodyPr>
           <a:lstStyle/>
           <a:p>
+            <a:pPr algn="ctr"/>
             <a:r>
               <a:rPr lang="sr-Latn-RS" sz="1400" dirty="0" smtClean="0"/>
-              <a:t>Primjer aplikacije koja rješava kvadratnu jednačinu</a:t>
+              <a:t>Slika 1.: </a:t>
+            </a:r>
+            <a:r>
+              <a:rPr lang="sr-Latn-RS" sz="1400" dirty="0" smtClean="0"/>
+              <a:t>Primer </a:t>
+            </a:r>
+            <a:r>
+              <a:rPr lang="sr-Latn-RS" sz="1400" dirty="0" smtClean="0"/>
+              <a:t>aplikacije koja rešava kvadratnu jednačinu</a:t>
             </a:r>
             <a:endParaRPr lang="en-US" sz="1400" dirty="0"/>
           </a:p>
@@ -4625,9 +6415,14 @@
           </a:bodyPr>
           <a:lstStyle/>
           <a:p>
+            <a:pPr algn="ctr"/>
             <a:r>
               <a:rPr lang="sr-Latn-RS" sz="1400" dirty="0" smtClean="0"/>
-              <a:t>Primjer aplikacije koja rješava kubnu jednačinu</a:t>
+              <a:t>Slika 2.: Primer </a:t>
+            </a:r>
+            <a:r>
+              <a:rPr lang="sr-Latn-RS" sz="1400" dirty="0" smtClean="0"/>
+              <a:t>aplikacije koja rešava kubnu jednačinu</a:t>
             </a:r>
             <a:endParaRPr lang="en-US" sz="1400" dirty="0"/>
           </a:p>
@@ -4644,15 +6439,11 @@
     <a:masterClrMapping/>
   </p:clrMapOvr>
   <mc:AlternateContent xmlns:mc="http://schemas.openxmlformats.org/markup-compatibility/2006">
-    <mc:Choice xmlns:p15="http://schemas.microsoft.com/office/powerpoint/2012/main" Requires="p15">
-      <p:transition xmlns:p14="http://schemas.microsoft.com/office/powerpoint/2010/main" spd="slow" p14:dur="2000">
-        <p15:prstTrans prst="wind"/>
-      </p:transition>
+    <mc:Choice xmlns:p14="http://schemas.microsoft.com/office/powerpoint/2010/main" Requires="p14">
+      <p:transition p14:dur="0"/>
     </mc:Choice>
     <mc:Fallback>
-      <p:transition spd="slow">
-        <p:fade/>
-      </p:transition>
+      <p:transition/>
     </mc:Fallback>
   </mc:AlternateContent>
   <p:timing>
@@ -4767,9 +6558,14 @@
           </a:bodyPr>
           <a:lstStyle/>
           <a:p>
+            <a:pPr algn="ctr"/>
             <a:r>
               <a:rPr lang="sr-Latn-RS" sz="1400" dirty="0" smtClean="0"/>
-              <a:t>Prepoznavanje rukom pisanih cifara iz MNIST obučavajućeg skupa</a:t>
+              <a:t>Slika 3.: Prepoznavanje </a:t>
+            </a:r>
+            <a:r>
+              <a:rPr lang="sr-Latn-RS" sz="1400" dirty="0" smtClean="0"/>
+              <a:t>rukom pisanih cifara iz MNIST obučavajućeg skupa</a:t>
             </a:r>
             <a:endParaRPr lang="en-US" sz="1400" dirty="0"/>
           </a:p>
@@ -4797,9 +6593,14 @@
           </a:bodyPr>
           <a:lstStyle/>
           <a:p>
+            <a:pPr algn="ctr"/>
             <a:r>
               <a:rPr lang="sr-Latn-RS" sz="1400" dirty="0" smtClean="0"/>
-              <a:t>Prepoznavanje rukom pisanih jednačina – implementacija u JavaScript-u</a:t>
+              <a:t>Slika 4.: Prepoznavanje </a:t>
+            </a:r>
+            <a:r>
+              <a:rPr lang="sr-Latn-RS" sz="1400" dirty="0" smtClean="0"/>
+              <a:t>rukom pisanih jednačina – implementacija u JavaScript-u</a:t>
             </a:r>
             <a:endParaRPr lang="en-US" sz="1400" dirty="0"/>
           </a:p>
@@ -4816,15 +6617,11 @@
     <a:masterClrMapping/>
   </p:clrMapOvr>
   <mc:AlternateContent xmlns:mc="http://schemas.openxmlformats.org/markup-compatibility/2006">
-    <mc:Choice xmlns:p15="http://schemas.microsoft.com/office/powerpoint/2012/main" Requires="p15">
-      <p:transition xmlns:p14="http://schemas.microsoft.com/office/powerpoint/2010/main" spd="slow" p14:dur="2000">
-        <p15:prstTrans prst="wind"/>
-      </p:transition>
+    <mc:Choice xmlns:p14="http://schemas.microsoft.com/office/powerpoint/2010/main" Requires="p14">
+      <p:transition p14:dur="0"/>
     </mc:Choice>
     <mc:Fallback>
-      <p:transition spd="slow">
-        <p:fade/>
-      </p:transition>
+      <p:transition/>
     </mc:Fallback>
   </mc:AlternateContent>
   <p:timing>
@@ -4873,7 +6670,7 @@
           <a:p>
             <a:r>
               <a:rPr lang="sr-Latn-RS" sz="4800" dirty="0" smtClean="0"/>
-              <a:t>specifikacija</a:t>
+              <a:t>algoritam</a:t>
             </a:r>
             <a:endParaRPr lang="en-US" sz="4800" dirty="0"/>
           </a:p>
@@ -4881,184 +6678,740 @@
       </p:sp>
       <p:sp>
         <p:nvSpPr>
-          <p:cNvPr id="3" name="Content Placeholder 2"/>
-          <p:cNvSpPr>
-            <a:spLocks noGrp="1"/>
-          </p:cNvSpPr>
-          <p:nvPr>
-            <p:ph idx="1"/>
-          </p:nvPr>
-        </p:nvSpPr>
-        <p:spPr/>
-        <p:txBody>
-          <a:bodyPr/>
-          <a:lstStyle/>
-          <a:p>
-            <a:pPr algn="just"/>
+          <p:cNvPr id="4" name="Rounded Rectangle 3"/>
+          <p:cNvSpPr/>
+          <p:nvPr/>
+        </p:nvSpPr>
+        <p:spPr>
+          <a:xfrm>
+            <a:off x="1069848" y="2093976"/>
+            <a:ext cx="2060619" cy="1087106"/>
+          </a:xfrm>
+          <a:prstGeom prst="roundRect">
+            <a:avLst/>
+          </a:prstGeom>
+        </p:spPr>
+        <p:style>
+          <a:lnRef idx="2">
+            <a:schemeClr val="accent1">
+              <a:shade val="50000"/>
+            </a:schemeClr>
+          </a:lnRef>
+          <a:fillRef idx="1">
+            <a:schemeClr val="accent1"/>
+          </a:fillRef>
+          <a:effectRef idx="0">
+            <a:schemeClr val="accent1"/>
+          </a:effectRef>
+          <a:fontRef idx="minor">
+            <a:schemeClr val="lt1"/>
+          </a:fontRef>
+        </p:style>
+        <p:txBody>
+          <a:bodyPr rtlCol="0" anchor="ctr"/>
+          <a:lstStyle/>
+          <a:p>
+            <a:pPr algn="ctr"/>
             <a:r>
               <a:rPr lang="sr-Latn-RS" dirty="0" smtClean="0"/>
-              <a:t>Ova aplikacija koristiće tehnike OCR-a, sa učitane slike prepoznavati jednačine tako što će prepoznavati slova, cifre i aritmetičke operatore.</a:t>
-            </a:r>
-          </a:p>
-          <a:p>
-            <a:pPr algn="just"/>
+              <a:t>Učitavanje slike</a:t>
+            </a:r>
+            <a:endParaRPr lang="en-US" dirty="0"/>
+          </a:p>
+        </p:txBody>
+      </p:sp>
+      <p:sp>
+        <p:nvSpPr>
+          <p:cNvPr id="5" name="Rounded Rectangle 4"/>
+          <p:cNvSpPr/>
+          <p:nvPr/>
+        </p:nvSpPr>
+        <p:spPr>
+          <a:xfrm>
+            <a:off x="3845696" y="2093976"/>
+            <a:ext cx="2060619" cy="1087106"/>
+          </a:xfrm>
+          <a:prstGeom prst="roundRect">
+            <a:avLst/>
+          </a:prstGeom>
+          <a:solidFill>
+            <a:srgbClr val="00B0F0"/>
+          </a:solidFill>
+        </p:spPr>
+        <p:style>
+          <a:lnRef idx="2">
+            <a:schemeClr val="accent1">
+              <a:shade val="50000"/>
+            </a:schemeClr>
+          </a:lnRef>
+          <a:fillRef idx="1">
+            <a:schemeClr val="accent1"/>
+          </a:fillRef>
+          <a:effectRef idx="0">
+            <a:schemeClr val="accent1"/>
+          </a:effectRef>
+          <a:fontRef idx="minor">
+            <a:schemeClr val="lt1"/>
+          </a:fontRef>
+        </p:style>
+        <p:txBody>
+          <a:bodyPr rtlCol="0" anchor="ctr"/>
+          <a:lstStyle/>
+          <a:p>
+            <a:pPr algn="ctr"/>
             <a:r>
               <a:rPr lang="sr-Latn-RS" dirty="0" smtClean="0"/>
-              <a:t>Prepoznatu jednačinu ćemo zatim rješavati koristeći on-line servis Wolphram Alpha.</a:t>
-            </a:r>
-          </a:p>
-          <a:p>
-            <a:pPr algn="just"/>
-            <a:r>
-              <a:rPr lang="en-US" dirty="0" err="1" smtClean="0">
-                <a:cs typeface="Times New Roman" panose="02020603050405020304" pitchFamily="18" charset="0"/>
-              </a:rPr>
-              <a:t>Korisnik</a:t>
-            </a:r>
-            <a:r>
-              <a:rPr lang="en-US" dirty="0" smtClean="0">
-                <a:cs typeface="Times New Roman" panose="02020603050405020304" pitchFamily="18" charset="0"/>
-              </a:rPr>
-              <a:t> </a:t>
-            </a:r>
-            <a:r>
-              <a:rPr lang="sr-Latn-RS" dirty="0">
-                <a:cs typeface="Times New Roman" panose="02020603050405020304" pitchFamily="18" charset="0"/>
-              </a:rPr>
-              <a:t>ć</a:t>
-            </a:r>
-            <a:r>
-              <a:rPr lang="en-US" dirty="0">
-                <a:cs typeface="Times New Roman" panose="02020603050405020304" pitchFamily="18" charset="0"/>
-              </a:rPr>
-              <a:t>e </a:t>
-            </a:r>
-            <a:r>
-              <a:rPr lang="en-US" dirty="0" err="1">
-                <a:cs typeface="Times New Roman" panose="02020603050405020304" pitchFamily="18" charset="0"/>
-              </a:rPr>
-              <a:t>biti</a:t>
-            </a:r>
-            <a:r>
-              <a:rPr lang="en-US" dirty="0">
-                <a:cs typeface="Times New Roman" panose="02020603050405020304" pitchFamily="18" charset="0"/>
-              </a:rPr>
-              <a:t> </a:t>
-            </a:r>
-            <a:r>
-              <a:rPr lang="sr-Latn-RS" dirty="0" smtClean="0">
-                <a:cs typeface="Times New Roman" panose="02020603050405020304" pitchFamily="18" charset="0"/>
-              </a:rPr>
-              <a:t>u mogućnosti </a:t>
-            </a:r>
-            <a:r>
-              <a:rPr lang="en-US" dirty="0" smtClean="0">
-                <a:cs typeface="Times New Roman" panose="02020603050405020304" pitchFamily="18" charset="0"/>
-              </a:rPr>
-              <a:t>da </a:t>
-            </a:r>
-            <a:r>
-              <a:rPr lang="en-US" dirty="0" err="1">
-                <a:cs typeface="Times New Roman" panose="02020603050405020304" pitchFamily="18" charset="0"/>
-              </a:rPr>
-              <a:t>sam</a:t>
-            </a:r>
-            <a:r>
-              <a:rPr lang="en-US" dirty="0">
-                <a:cs typeface="Times New Roman" panose="02020603050405020304" pitchFamily="18" charset="0"/>
-              </a:rPr>
-              <a:t> </a:t>
-            </a:r>
-            <a:r>
-              <a:rPr lang="en-US" dirty="0" err="1">
-                <a:cs typeface="Times New Roman" panose="02020603050405020304" pitchFamily="18" charset="0"/>
-              </a:rPr>
-              <a:t>izabere</a:t>
-            </a:r>
-            <a:r>
-              <a:rPr lang="en-US" dirty="0">
-                <a:cs typeface="Times New Roman" panose="02020603050405020304" pitchFamily="18" charset="0"/>
-              </a:rPr>
-              <a:t> </a:t>
-            </a:r>
-            <a:r>
-              <a:rPr lang="en-US" dirty="0" err="1">
-                <a:cs typeface="Times New Roman" panose="02020603050405020304" pitchFamily="18" charset="0"/>
-              </a:rPr>
-              <a:t>sliku</a:t>
-            </a:r>
-            <a:r>
-              <a:rPr lang="sr-Latn-RS" dirty="0">
-                <a:cs typeface="Times New Roman" panose="02020603050405020304" pitchFamily="18" charset="0"/>
-              </a:rPr>
-              <a:t> sa</a:t>
-            </a:r>
-            <a:r>
-              <a:rPr lang="en-US" dirty="0">
-                <a:cs typeface="Times New Roman" panose="02020603050405020304" pitchFamily="18" charset="0"/>
-              </a:rPr>
-              <a:t> </a:t>
-            </a:r>
-            <a:r>
-              <a:rPr lang="en-US" dirty="0" err="1">
-                <a:cs typeface="Times New Roman" panose="02020603050405020304" pitchFamily="18" charset="0"/>
-              </a:rPr>
-              <a:t>koj</a:t>
-            </a:r>
-            <a:r>
-              <a:rPr lang="sr-Latn-RS" dirty="0">
-                <a:cs typeface="Times New Roman" panose="02020603050405020304" pitchFamily="18" charset="0"/>
-              </a:rPr>
-              <a:t>e</a:t>
-            </a:r>
-            <a:r>
-              <a:rPr lang="en-US" dirty="0">
-                <a:cs typeface="Times New Roman" panose="02020603050405020304" pitchFamily="18" charset="0"/>
-              </a:rPr>
-              <a:t> </a:t>
-            </a:r>
-            <a:r>
-              <a:rPr lang="sr-Latn-RS" dirty="0">
-                <a:cs typeface="Times New Roman" panose="02020603050405020304" pitchFamily="18" charset="0"/>
-              </a:rPr>
-              <a:t>ž</a:t>
-            </a:r>
-            <a:r>
-              <a:rPr lang="en-US" dirty="0" err="1">
-                <a:cs typeface="Times New Roman" panose="02020603050405020304" pitchFamily="18" charset="0"/>
-              </a:rPr>
-              <a:t>eli</a:t>
-            </a:r>
-            <a:r>
-              <a:rPr lang="sr-Latn-RS" dirty="0">
-                <a:cs typeface="Times New Roman" panose="02020603050405020304" pitchFamily="18" charset="0"/>
-              </a:rPr>
-              <a:t> da se </a:t>
-            </a:r>
-            <a:r>
-              <a:rPr lang="sr-Latn-RS" dirty="0" smtClean="0">
-                <a:cs typeface="Times New Roman" panose="02020603050405020304" pitchFamily="18" charset="0"/>
-              </a:rPr>
-              <a:t>prepozna jednačina.</a:t>
-            </a:r>
-          </a:p>
-          <a:p>
-            <a:pPr algn="just"/>
-            <a:r>
-              <a:rPr lang="sr-Latn-RS" dirty="0" smtClean="0">
-                <a:cs typeface="Times New Roman" panose="02020603050405020304" pitchFamily="18" charset="0"/>
-              </a:rPr>
-              <a:t>Sama aplikacija će biti implementirana u programskom jeziku C#, a obučavanje neuronske mreže u Python-u.</a:t>
-            </a:r>
-            <a:endParaRPr lang="sr-Latn-RS" dirty="0">
-              <a:cs typeface="Times New Roman" panose="02020603050405020304" pitchFamily="18" charset="0"/>
-            </a:endParaRPr>
-          </a:p>
-          <a:p>
-            <a:pPr algn="just"/>
-            <a:endParaRPr lang="en-US" dirty="0">
-              <a:cs typeface="Times New Roman" panose="02020603050405020304" pitchFamily="18" charset="0"/>
-            </a:endParaRPr>
+              <a:t>Učitavanje neuronske mreže</a:t>
+            </a:r>
+            <a:endParaRPr lang="en-US" dirty="0"/>
+          </a:p>
+        </p:txBody>
+      </p:sp>
+      <p:sp>
+        <p:nvSpPr>
+          <p:cNvPr id="6" name="Rounded Rectangle 5"/>
+          <p:cNvSpPr/>
+          <p:nvPr/>
+        </p:nvSpPr>
+        <p:spPr>
+          <a:xfrm>
+            <a:off x="6621544" y="2093976"/>
+            <a:ext cx="2060619" cy="1087106"/>
+          </a:xfrm>
+          <a:prstGeom prst="roundRect">
+            <a:avLst/>
+          </a:prstGeom>
+          <a:solidFill>
+            <a:srgbClr val="92D050"/>
+          </a:solidFill>
+        </p:spPr>
+        <p:style>
+          <a:lnRef idx="2">
+            <a:schemeClr val="accent1">
+              <a:shade val="50000"/>
+            </a:schemeClr>
+          </a:lnRef>
+          <a:fillRef idx="1">
+            <a:schemeClr val="accent1"/>
+          </a:fillRef>
+          <a:effectRef idx="0">
+            <a:schemeClr val="accent1"/>
+          </a:effectRef>
+          <a:fontRef idx="minor">
+            <a:schemeClr val="lt1"/>
+          </a:fontRef>
+        </p:style>
+        <p:txBody>
+          <a:bodyPr rtlCol="0" anchor="ctr"/>
+          <a:lstStyle/>
+          <a:p>
+            <a:pPr algn="ctr"/>
+            <a:r>
+              <a:rPr lang="sr-Latn-RS" dirty="0" smtClean="0"/>
+              <a:t>Obrada slike</a:t>
+            </a:r>
+            <a:endParaRPr lang="en-US" dirty="0"/>
+          </a:p>
+        </p:txBody>
+      </p:sp>
+      <p:sp>
+        <p:nvSpPr>
+          <p:cNvPr id="7" name="Rounded Rectangle 6"/>
+          <p:cNvSpPr/>
+          <p:nvPr/>
+        </p:nvSpPr>
+        <p:spPr>
+          <a:xfrm>
+            <a:off x="9397392" y="2093976"/>
+            <a:ext cx="2060619" cy="1087106"/>
+          </a:xfrm>
+          <a:prstGeom prst="roundRect">
+            <a:avLst/>
+          </a:prstGeom>
+          <a:solidFill>
+            <a:srgbClr val="7030A0"/>
+          </a:solidFill>
+        </p:spPr>
+        <p:style>
+          <a:lnRef idx="2">
+            <a:schemeClr val="accent1">
+              <a:shade val="50000"/>
+            </a:schemeClr>
+          </a:lnRef>
+          <a:fillRef idx="1">
+            <a:schemeClr val="accent1"/>
+          </a:fillRef>
+          <a:effectRef idx="0">
+            <a:schemeClr val="accent1"/>
+          </a:effectRef>
+          <a:fontRef idx="minor">
+            <a:schemeClr val="lt1"/>
+          </a:fontRef>
+        </p:style>
+        <p:txBody>
+          <a:bodyPr rtlCol="0" anchor="ctr"/>
+          <a:lstStyle/>
+          <a:p>
+            <a:pPr algn="ctr"/>
+            <a:r>
+              <a:rPr lang="sr-Latn-RS" dirty="0" smtClean="0"/>
+              <a:t>Jednačina za rešavanje</a:t>
+            </a:r>
+            <a:endParaRPr lang="en-US" dirty="0"/>
+          </a:p>
+        </p:txBody>
+      </p:sp>
+      <p:sp>
+        <p:nvSpPr>
+          <p:cNvPr id="8" name="Rounded Rectangle 7"/>
+          <p:cNvSpPr/>
+          <p:nvPr/>
+        </p:nvSpPr>
+        <p:spPr>
+          <a:xfrm>
+            <a:off x="9397390" y="5255128"/>
+            <a:ext cx="2060619" cy="1087106"/>
+          </a:xfrm>
+          <a:prstGeom prst="roundRect">
+            <a:avLst/>
+          </a:prstGeom>
+          <a:solidFill>
+            <a:srgbClr val="0070C0"/>
+          </a:solidFill>
+        </p:spPr>
+        <p:style>
+          <a:lnRef idx="2">
+            <a:schemeClr val="accent1">
+              <a:shade val="50000"/>
+            </a:schemeClr>
+          </a:lnRef>
+          <a:fillRef idx="1">
+            <a:schemeClr val="accent1"/>
+          </a:fillRef>
+          <a:effectRef idx="0">
+            <a:schemeClr val="accent1"/>
+          </a:effectRef>
+          <a:fontRef idx="minor">
+            <a:schemeClr val="lt1"/>
+          </a:fontRef>
+        </p:style>
+        <p:txBody>
+          <a:bodyPr rtlCol="0" anchor="ctr"/>
+          <a:lstStyle/>
+          <a:p>
+            <a:pPr algn="ctr"/>
+            <a:r>
+              <a:rPr lang="sr-Latn-RS" dirty="0" smtClean="0"/>
+              <a:t>Slanje jednačine na WolframAlpha</a:t>
+            </a:r>
+            <a:endParaRPr lang="en-US" dirty="0"/>
+          </a:p>
+        </p:txBody>
+      </p:sp>
+      <p:sp>
+        <p:nvSpPr>
+          <p:cNvPr id="9" name="Rounded Rectangle 8"/>
+          <p:cNvSpPr/>
+          <p:nvPr/>
+        </p:nvSpPr>
+        <p:spPr>
+          <a:xfrm>
+            <a:off x="6621544" y="5255128"/>
+            <a:ext cx="2060619" cy="1087106"/>
+          </a:xfrm>
+          <a:prstGeom prst="roundRect">
+            <a:avLst/>
+          </a:prstGeom>
+          <a:solidFill>
+            <a:schemeClr val="accent1">
+              <a:lumMod val="60000"/>
+              <a:lumOff val="40000"/>
+            </a:schemeClr>
+          </a:solidFill>
+        </p:spPr>
+        <p:style>
+          <a:lnRef idx="2">
+            <a:schemeClr val="accent1">
+              <a:shade val="50000"/>
+            </a:schemeClr>
+          </a:lnRef>
+          <a:fillRef idx="1">
+            <a:schemeClr val="accent1"/>
+          </a:fillRef>
+          <a:effectRef idx="0">
+            <a:schemeClr val="accent1"/>
+          </a:effectRef>
+          <a:fontRef idx="minor">
+            <a:schemeClr val="lt1"/>
+          </a:fontRef>
+        </p:style>
+        <p:txBody>
+          <a:bodyPr rtlCol="0" anchor="ctr"/>
+          <a:lstStyle/>
+          <a:p>
+            <a:pPr algn="ctr"/>
+            <a:r>
+              <a:rPr lang="sr-Latn-RS" dirty="0" smtClean="0"/>
+              <a:t>Dobijanje odgovora od WolframAlpha</a:t>
+            </a:r>
+            <a:endParaRPr lang="en-US" dirty="0"/>
+          </a:p>
+        </p:txBody>
+      </p:sp>
+      <p:sp>
+        <p:nvSpPr>
+          <p:cNvPr id="10" name="Rounded Rectangle 9"/>
+          <p:cNvSpPr/>
+          <p:nvPr/>
+        </p:nvSpPr>
+        <p:spPr>
+          <a:xfrm>
+            <a:off x="3845695" y="5255128"/>
+            <a:ext cx="2060619" cy="1087106"/>
+          </a:xfrm>
+          <a:prstGeom prst="roundRect">
+            <a:avLst/>
+          </a:prstGeom>
+          <a:solidFill>
+            <a:schemeClr val="tx2"/>
+          </a:solidFill>
+        </p:spPr>
+        <p:style>
+          <a:lnRef idx="2">
+            <a:schemeClr val="accent1">
+              <a:shade val="50000"/>
+            </a:schemeClr>
+          </a:lnRef>
+          <a:fillRef idx="1">
+            <a:schemeClr val="accent1"/>
+          </a:fillRef>
+          <a:effectRef idx="0">
+            <a:schemeClr val="accent1"/>
+          </a:effectRef>
+          <a:fontRef idx="minor">
+            <a:schemeClr val="lt1"/>
+          </a:fontRef>
+        </p:style>
+        <p:txBody>
+          <a:bodyPr rtlCol="0" anchor="ctr"/>
+          <a:lstStyle/>
+          <a:p>
+            <a:pPr algn="ctr"/>
+            <a:r>
+              <a:rPr lang="sr-Latn-RS" dirty="0" smtClean="0"/>
+              <a:t>Prikaz rešenja jednačine</a:t>
+            </a:r>
+            <a:endParaRPr lang="en-US" dirty="0"/>
+          </a:p>
+        </p:txBody>
+      </p:sp>
+      <p:sp>
+        <p:nvSpPr>
+          <p:cNvPr id="13" name="Right Arrow 12"/>
+          <p:cNvSpPr/>
+          <p:nvPr/>
+        </p:nvSpPr>
+        <p:spPr>
+          <a:xfrm flipV="1">
+            <a:off x="3245476" y="2518720"/>
+            <a:ext cx="489398" cy="327510"/>
+          </a:xfrm>
+          <a:prstGeom prst="rightArrow">
+            <a:avLst/>
+          </a:prstGeom>
+        </p:spPr>
+        <p:style>
+          <a:lnRef idx="2">
+            <a:schemeClr val="accent1">
+              <a:shade val="50000"/>
+            </a:schemeClr>
+          </a:lnRef>
+          <a:fillRef idx="1">
+            <a:schemeClr val="accent1"/>
+          </a:fillRef>
+          <a:effectRef idx="0">
+            <a:schemeClr val="accent1"/>
+          </a:effectRef>
+          <a:fontRef idx="minor">
+            <a:schemeClr val="lt1"/>
+          </a:fontRef>
+        </p:style>
+        <p:txBody>
+          <a:bodyPr rtlCol="0" anchor="ctr"/>
+          <a:lstStyle/>
+          <a:p>
+            <a:pPr algn="ctr"/>
+            <a:endParaRPr lang="en-US"/>
+          </a:p>
+        </p:txBody>
+      </p:sp>
+      <p:sp>
+        <p:nvSpPr>
+          <p:cNvPr id="14" name="Right Arrow 13"/>
+          <p:cNvSpPr/>
+          <p:nvPr/>
+        </p:nvSpPr>
+        <p:spPr>
+          <a:xfrm flipV="1">
+            <a:off x="6017137" y="2518720"/>
+            <a:ext cx="489398" cy="327510"/>
+          </a:xfrm>
+          <a:prstGeom prst="rightArrow">
+            <a:avLst/>
+          </a:prstGeom>
+        </p:spPr>
+        <p:style>
+          <a:lnRef idx="2">
+            <a:schemeClr val="accent1">
+              <a:shade val="50000"/>
+            </a:schemeClr>
+          </a:lnRef>
+          <a:fillRef idx="1">
+            <a:schemeClr val="accent1"/>
+          </a:fillRef>
+          <a:effectRef idx="0">
+            <a:schemeClr val="accent1"/>
+          </a:effectRef>
+          <a:fontRef idx="minor">
+            <a:schemeClr val="lt1"/>
+          </a:fontRef>
+        </p:style>
+        <p:txBody>
+          <a:bodyPr rtlCol="0" anchor="ctr"/>
+          <a:lstStyle/>
+          <a:p>
+            <a:pPr algn="ctr"/>
+            <a:endParaRPr lang="en-US"/>
+          </a:p>
+        </p:txBody>
+      </p:sp>
+      <p:sp>
+        <p:nvSpPr>
+          <p:cNvPr id="15" name="Right Arrow 14"/>
+          <p:cNvSpPr/>
+          <p:nvPr/>
+        </p:nvSpPr>
+        <p:spPr>
+          <a:xfrm flipV="1">
+            <a:off x="8795078" y="2518720"/>
+            <a:ext cx="489398" cy="327510"/>
+          </a:xfrm>
+          <a:prstGeom prst="rightArrow">
+            <a:avLst/>
+          </a:prstGeom>
+        </p:spPr>
+        <p:style>
+          <a:lnRef idx="2">
+            <a:schemeClr val="accent1">
+              <a:shade val="50000"/>
+            </a:schemeClr>
+          </a:lnRef>
+          <a:fillRef idx="1">
+            <a:schemeClr val="accent1"/>
+          </a:fillRef>
+          <a:effectRef idx="0">
+            <a:schemeClr val="accent1"/>
+          </a:effectRef>
+          <a:fontRef idx="minor">
+            <a:schemeClr val="lt1"/>
+          </a:fontRef>
+        </p:style>
+        <p:txBody>
+          <a:bodyPr rtlCol="0" anchor="ctr"/>
+          <a:lstStyle/>
+          <a:p>
+            <a:pPr algn="ctr"/>
+            <a:endParaRPr lang="en-US"/>
+          </a:p>
+        </p:txBody>
+      </p:sp>
+      <p:sp>
+        <p:nvSpPr>
+          <p:cNvPr id="16" name="Right Arrow 15"/>
+          <p:cNvSpPr/>
+          <p:nvPr/>
+        </p:nvSpPr>
+        <p:spPr>
+          <a:xfrm rot="5400000" flipV="1">
+            <a:off x="10023599" y="4016694"/>
+            <a:ext cx="880059" cy="399370"/>
+          </a:xfrm>
+          <a:prstGeom prst="rightArrow">
+            <a:avLst/>
+          </a:prstGeom>
+        </p:spPr>
+        <p:style>
+          <a:lnRef idx="2">
+            <a:schemeClr val="accent1">
+              <a:shade val="50000"/>
+            </a:schemeClr>
+          </a:lnRef>
+          <a:fillRef idx="1">
+            <a:schemeClr val="accent1"/>
+          </a:fillRef>
+          <a:effectRef idx="0">
+            <a:schemeClr val="accent1"/>
+          </a:effectRef>
+          <a:fontRef idx="minor">
+            <a:schemeClr val="lt1"/>
+          </a:fontRef>
+        </p:style>
+        <p:txBody>
+          <a:bodyPr rtlCol="0" anchor="ctr"/>
+          <a:lstStyle/>
+          <a:p>
+            <a:pPr algn="ctr"/>
+            <a:endParaRPr lang="en-US"/>
+          </a:p>
+        </p:txBody>
+      </p:sp>
+      <p:sp>
+        <p:nvSpPr>
+          <p:cNvPr id="21" name="Right Arrow 20"/>
+          <p:cNvSpPr/>
+          <p:nvPr/>
+        </p:nvSpPr>
+        <p:spPr>
+          <a:xfrm rot="10800000" flipV="1">
+            <a:off x="8795078" y="5605689"/>
+            <a:ext cx="489398" cy="327510"/>
+          </a:xfrm>
+          <a:prstGeom prst="rightArrow">
+            <a:avLst/>
+          </a:prstGeom>
+        </p:spPr>
+        <p:style>
+          <a:lnRef idx="2">
+            <a:schemeClr val="accent1">
+              <a:shade val="50000"/>
+            </a:schemeClr>
+          </a:lnRef>
+          <a:fillRef idx="1">
+            <a:schemeClr val="accent1"/>
+          </a:fillRef>
+          <a:effectRef idx="0">
+            <a:schemeClr val="accent1"/>
+          </a:effectRef>
+          <a:fontRef idx="minor">
+            <a:schemeClr val="lt1"/>
+          </a:fontRef>
+        </p:style>
+        <p:txBody>
+          <a:bodyPr rtlCol="0" anchor="ctr"/>
+          <a:lstStyle/>
+          <a:p>
+            <a:pPr algn="ctr"/>
+            <a:endParaRPr lang="en-US"/>
+          </a:p>
+        </p:txBody>
+      </p:sp>
+      <p:sp>
+        <p:nvSpPr>
+          <p:cNvPr id="22" name="Right Arrow 21"/>
+          <p:cNvSpPr/>
+          <p:nvPr/>
+        </p:nvSpPr>
+        <p:spPr>
+          <a:xfrm rot="10800000" flipV="1">
+            <a:off x="6017137" y="5607814"/>
+            <a:ext cx="489398" cy="327510"/>
+          </a:xfrm>
+          <a:prstGeom prst="rightArrow">
+            <a:avLst/>
+          </a:prstGeom>
+        </p:spPr>
+        <p:style>
+          <a:lnRef idx="2">
+            <a:schemeClr val="accent1">
+              <a:shade val="50000"/>
+            </a:schemeClr>
+          </a:lnRef>
+          <a:fillRef idx="1">
+            <a:schemeClr val="accent1"/>
+          </a:fillRef>
+          <a:effectRef idx="0">
+            <a:schemeClr val="accent1"/>
+          </a:effectRef>
+          <a:fontRef idx="minor">
+            <a:schemeClr val="lt1"/>
+          </a:fontRef>
+        </p:style>
+        <p:txBody>
+          <a:bodyPr rtlCol="0" anchor="ctr"/>
+          <a:lstStyle/>
+          <a:p>
+            <a:pPr algn="ctr"/>
+            <a:endParaRPr lang="en-US"/>
+          </a:p>
+        </p:txBody>
+      </p:sp>
+      <p:sp>
+        <p:nvSpPr>
+          <p:cNvPr id="23" name="Smiley Face 22"/>
+          <p:cNvSpPr/>
+          <p:nvPr/>
+        </p:nvSpPr>
+        <p:spPr>
+          <a:xfrm>
+            <a:off x="1565684" y="5304742"/>
+            <a:ext cx="1068946" cy="929404"/>
+          </a:xfrm>
+          <a:prstGeom prst="smileyFace">
+            <a:avLst/>
+          </a:prstGeom>
+          <a:solidFill>
+            <a:srgbClr val="FFFF00"/>
+          </a:solidFill>
+        </p:spPr>
+        <p:style>
+          <a:lnRef idx="2">
+            <a:schemeClr val="accent1">
+              <a:shade val="50000"/>
+            </a:schemeClr>
+          </a:lnRef>
+          <a:fillRef idx="1">
+            <a:schemeClr val="accent1"/>
+          </a:fillRef>
+          <a:effectRef idx="0">
+            <a:schemeClr val="accent1"/>
+          </a:effectRef>
+          <a:fontRef idx="minor">
+            <a:schemeClr val="lt1"/>
+          </a:fontRef>
+        </p:style>
+        <p:txBody>
+          <a:bodyPr rtlCol="0" anchor="ctr"/>
+          <a:lstStyle/>
+          <a:p>
+            <a:pPr algn="ctr"/>
+            <a:endParaRPr lang="en-US"/>
+          </a:p>
+        </p:txBody>
+      </p:sp>
+      <p:sp>
+        <p:nvSpPr>
+          <p:cNvPr id="24" name="Right Arrow 23"/>
+          <p:cNvSpPr/>
+          <p:nvPr/>
+        </p:nvSpPr>
+        <p:spPr>
+          <a:xfrm rot="10800000" flipV="1">
+            <a:off x="2925835" y="5605689"/>
+            <a:ext cx="489398" cy="327510"/>
+          </a:xfrm>
+          <a:prstGeom prst="rightArrow">
+            <a:avLst/>
+          </a:prstGeom>
+        </p:spPr>
+        <p:style>
+          <a:lnRef idx="2">
+            <a:schemeClr val="accent1">
+              <a:shade val="50000"/>
+            </a:schemeClr>
+          </a:lnRef>
+          <a:fillRef idx="1">
+            <a:schemeClr val="accent1"/>
+          </a:fillRef>
+          <a:effectRef idx="0">
+            <a:schemeClr val="accent1"/>
+          </a:effectRef>
+          <a:fontRef idx="minor">
+            <a:schemeClr val="lt1"/>
+          </a:fontRef>
+        </p:style>
+        <p:txBody>
+          <a:bodyPr rtlCol="0" anchor="ctr"/>
+          <a:lstStyle/>
+          <a:p>
+            <a:pPr algn="ctr"/>
+            <a:endParaRPr lang="en-US"/>
+          </a:p>
+        </p:txBody>
+      </p:sp>
+      <p:sp>
+        <p:nvSpPr>
+          <p:cNvPr id="26" name="Rounded Rectangle 25"/>
+          <p:cNvSpPr/>
+          <p:nvPr/>
+        </p:nvSpPr>
+        <p:spPr>
+          <a:xfrm>
+            <a:off x="1069848" y="3863349"/>
+            <a:ext cx="2060619" cy="1060073"/>
+          </a:xfrm>
+          <a:prstGeom prst="roundRect">
+            <a:avLst/>
+          </a:prstGeom>
+          <a:solidFill>
+            <a:srgbClr val="FF0000"/>
+          </a:solidFill>
+        </p:spPr>
+        <p:style>
+          <a:lnRef idx="2">
+            <a:schemeClr val="accent1">
+              <a:shade val="50000"/>
+            </a:schemeClr>
+          </a:lnRef>
+          <a:fillRef idx="1">
+            <a:schemeClr val="accent1"/>
+          </a:fillRef>
+          <a:effectRef idx="0">
+            <a:schemeClr val="accent1"/>
+          </a:effectRef>
+          <a:fontRef idx="minor">
+            <a:schemeClr val="lt1"/>
+          </a:fontRef>
+        </p:style>
+        <p:txBody>
+          <a:bodyPr rtlCol="0" anchor="ctr"/>
+          <a:lstStyle/>
+          <a:p>
+            <a:pPr algn="ctr"/>
+            <a:r>
+              <a:rPr lang="sr-Latn-RS" dirty="0" smtClean="0"/>
+              <a:t>Obučavanje neuronske mreže</a:t>
+            </a:r>
+            <a:endParaRPr lang="en-US" dirty="0"/>
+          </a:p>
+        </p:txBody>
+      </p:sp>
+      <p:sp>
+        <p:nvSpPr>
+          <p:cNvPr id="30" name="Right Arrow 29"/>
+          <p:cNvSpPr/>
+          <p:nvPr/>
+        </p:nvSpPr>
+        <p:spPr>
+          <a:xfrm rot="16200000" flipV="1">
+            <a:off x="1855457" y="3374290"/>
+            <a:ext cx="489398" cy="295849"/>
+          </a:xfrm>
+          <a:prstGeom prst="rightArrow">
+            <a:avLst/>
+          </a:prstGeom>
+        </p:spPr>
+        <p:style>
+          <a:lnRef idx="2">
+            <a:schemeClr val="accent1">
+              <a:shade val="50000"/>
+            </a:schemeClr>
+          </a:lnRef>
+          <a:fillRef idx="1">
+            <a:schemeClr val="accent1"/>
+          </a:fillRef>
+          <a:effectRef idx="0">
+            <a:schemeClr val="accent1"/>
+          </a:effectRef>
+          <a:fontRef idx="minor">
+            <a:schemeClr val="lt1"/>
+          </a:fontRef>
+        </p:style>
+        <p:txBody>
+          <a:bodyPr rtlCol="0" anchor="ctr"/>
+          <a:lstStyle/>
+          <a:p>
+            <a:pPr algn="ctr"/>
+            <a:endParaRPr lang="en-US"/>
           </a:p>
         </p:txBody>
       </p:sp>
@@ -5073,15 +7426,11 @@
     <a:masterClrMapping/>
   </p:clrMapOvr>
   <mc:AlternateContent xmlns:mc="http://schemas.openxmlformats.org/markup-compatibility/2006">
-    <mc:Choice xmlns:p15="http://schemas.microsoft.com/office/powerpoint/2012/main" Requires="p15">
-      <p:transition xmlns:p14="http://schemas.microsoft.com/office/powerpoint/2010/main" spd="slow" p14:dur="2000">
-        <p15:prstTrans prst="wind"/>
-      </p:transition>
+    <mc:Choice xmlns:p14="http://schemas.microsoft.com/office/powerpoint/2010/main" Requires="p14">
+      <p:transition p14:dur="0"/>
     </mc:Choice>
     <mc:Fallback>
-      <p:transition spd="slow">
-        <p:fade/>
-      </p:transition>
+      <p:transition/>
     </mc:Fallback>
   </mc:AlternateContent>
   <p:timing>
@@ -5121,7 +7470,11 @@
             <p:ph type="title"/>
           </p:nvPr>
         </p:nvSpPr>
-        <p:spPr/>
+        <p:spPr>
+          <a:solidFill>
+            <a:srgbClr val="FF0000"/>
+          </a:solidFill>
+        </p:spPr>
         <p:txBody>
           <a:bodyPr>
             <a:normAutofit/>
@@ -5129,10 +7482,10 @@
           <a:lstStyle/>
           <a:p>
             <a:r>
-              <a:rPr lang="sr-Latn-RS" sz="4800" dirty="0"/>
-              <a:t>specifikacija</a:t>
-            </a:r>
-            <a:endParaRPr lang="en-US" sz="4800" dirty="0"/>
+              <a:rPr lang="sr-Latn-RS" sz="4600" dirty="0" smtClean="0"/>
+              <a:t>obučavanje neuronske mreže</a:t>
+            </a:r>
+            <a:endParaRPr lang="en-US" sz="4600" dirty="0"/>
           </a:p>
         </p:txBody>
       </p:sp>
@@ -5153,44 +7506,145 @@
           <a:p>
             <a:r>
               <a:rPr lang="sr-Latn-RS" dirty="0" smtClean="0"/>
-              <a:t>Za obučavajući skup koristićemo MNIST Database. Više informacija o ovoj bazi nalazi se na ovoj lokaciji:</a:t>
-            </a:r>
-          </a:p>
-          <a:p>
-            <a:pPr marL="0" indent="0">
-              <a:buNone/>
-            </a:pPr>
+              <a:t>Obučavanje neuronske mreže implementirano je u programskom jeziku Python koristeći </a:t>
+            </a:r>
             <a:r>
               <a:rPr lang="sr-Latn-RS" dirty="0"/>
-              <a:t>  </a:t>
-            </a:r>
-            <a:r>
-              <a:rPr lang="sr-Latn-RS" dirty="0">
-                <a:hlinkClick r:id="rId2"/>
-              </a:rPr>
-              <a:t>http://</a:t>
+              <a:t>tehnike OCR-a(Optical Character Recognition – optičko prepoznavanje karaktera</a:t>
+            </a:r>
+            <a:r>
+              <a:rPr lang="sr-Latn-RS" dirty="0" smtClean="0"/>
+              <a:t>). </a:t>
+            </a:r>
+          </a:p>
+          <a:p>
+            <a:r>
+              <a:rPr lang="sr-Latn-RS" dirty="0" smtClean="0"/>
+              <a:t>Za samo obučavanje korišćena je Keras biblioteka</a:t>
+            </a:r>
+            <a:r>
+              <a:rPr lang="sr-Latn-RS" dirty="0"/>
+              <a:t>. </a:t>
+            </a:r>
+            <a:r>
+              <a:rPr lang="sr-Latn-RS" dirty="0" smtClean="0"/>
+              <a:t>(</a:t>
             </a:r>
             <a:r>
               <a:rPr lang="sr-Latn-RS" dirty="0" smtClean="0">
                 <a:hlinkClick r:id="rId2"/>
               </a:rPr>
-              <a:t>yann.lecun.com/exdb/mnist/</a:t>
-            </a:r>
+              <a:t>http://keras.io</a:t>
+            </a:r>
+            <a:r>
+              <a:rPr lang="sr-Latn-RS" dirty="0" smtClean="0"/>
+              <a:t>)</a:t>
+            </a:r>
+          </a:p>
+          <a:p>
+            <a:r>
+              <a:rPr lang="sr-Latn-RS" dirty="0" smtClean="0"/>
+              <a:t>Za obučavajući skup korišćena je unapred pripremljena grupa slika.</a:t>
+            </a:r>
+          </a:p>
+          <a:p>
             <a:endParaRPr lang="sr-Latn-RS" dirty="0" smtClean="0"/>
           </a:p>
           <a:p>
-            <a:r>
-              <a:rPr lang="sr-Latn-RS" dirty="0" smtClean="0"/>
-              <a:t>Za testni skup koristićemo naše primjere.</a:t>
-            </a:r>
+            <a:endParaRPr lang="sr-Latn-RS" dirty="0" smtClean="0"/>
+          </a:p>
+          <a:p>
+            <a:endParaRPr lang="sr-Latn-RS" dirty="0" smtClean="0"/>
+          </a:p>
+          <a:p>
             <a:endParaRPr lang="en-US" dirty="0"/>
+          </a:p>
+        </p:txBody>
+      </p:sp>
+      <p:pic>
+        <p:nvPicPr>
+          <p:cNvPr id="2052" name="Picture 4" descr="https://scontent-fra3-1.xx.fbcdn.net/hphotos-xta1/v/t35.0-12/12751745_964198766991379_777564347_o.jpg?oh=64643348ed982e03ee8b2056e265207d&amp;oe=56C81651"/>
+          <p:cNvPicPr>
+            <a:picLocks noChangeAspect="1" noChangeArrowheads="1"/>
+          </p:cNvPicPr>
+          <p:nvPr/>
+        </p:nvPicPr>
+        <p:blipFill>
+          <a:blip r:embed="rId3">
+            <a:extLst>
+              <a:ext uri="{28A0092B-C50C-407E-A947-70E740481C1C}">
+                <a14:useLocalDpi xmlns:a14="http://schemas.microsoft.com/office/drawing/2010/main" val="0"/>
+              </a:ext>
+            </a:extLst>
+          </a:blip>
+          <a:srcRect/>
+          <a:stretch>
+            <a:fillRect/>
+          </a:stretch>
+        </p:blipFill>
+        <p:spPr bwMode="auto">
+          <a:xfrm>
+            <a:off x="1069848" y="4146804"/>
+            <a:ext cx="10058399" cy="1104978"/>
+          </a:xfrm>
+          <a:prstGeom prst="rect">
+            <a:avLst/>
+          </a:prstGeom>
+          <a:noFill/>
+          <a:ln>
+            <a:solidFill>
+              <a:schemeClr val="tx1"/>
+            </a:solidFill>
+          </a:ln>
+          <a:effectLst>
+            <a:softEdge rad="0"/>
+          </a:effectLst>
+          <a:extLst>
+            <a:ext uri="{909E8E84-426E-40DD-AFC4-6F175D3DCCD1}">
+              <a14:hiddenFill xmlns:a14="http://schemas.microsoft.com/office/drawing/2010/main">
+                <a:solidFill>
+                  <a:srgbClr val="FFFFFF"/>
+                </a:solidFill>
+              </a14:hiddenFill>
+            </a:ext>
+          </a:extLst>
+        </p:spPr>
+      </p:pic>
+      <p:sp>
+        <p:nvSpPr>
+          <p:cNvPr id="4" name="TextBox 3"/>
+          <p:cNvSpPr txBox="1"/>
+          <p:nvPr/>
+        </p:nvSpPr>
+        <p:spPr>
+          <a:xfrm>
+            <a:off x="2855742" y="5373858"/>
+            <a:ext cx="5725550" cy="307777"/>
+          </a:xfrm>
+          <a:prstGeom prst="rect">
+            <a:avLst/>
+          </a:prstGeom>
+          <a:noFill/>
+        </p:spPr>
+        <p:txBody>
+          <a:bodyPr wrap="square" rtlCol="0">
+            <a:spAutoFit/>
+          </a:bodyPr>
+          <a:lstStyle/>
+          <a:p>
+            <a:pPr algn="ctr"/>
+            <a:r>
+              <a:rPr lang="sr-Latn-RS" sz="1400" dirty="0" smtClean="0"/>
+              <a:t>Slika 6.: Primer slike iz obučavajućeg skupa</a:t>
+            </a:r>
+            <a:endParaRPr lang="en-US" sz="1400" dirty="0"/>
           </a:p>
         </p:txBody>
       </p:sp>
     </p:spTree>
     <p:extLst>
       <p:ext uri="{BB962C8B-B14F-4D97-AF65-F5344CB8AC3E}">
-        <p14:creationId xmlns:p14="http://schemas.microsoft.com/office/powerpoint/2010/main" val="3361173717"/>
+        <p14:creationId xmlns:p14="http://schemas.microsoft.com/office/powerpoint/2010/main" val="4001199160"/>
       </p:ext>
     </p:extLst>
   </p:cSld>
@@ -5198,15 +7652,11 @@
     <a:masterClrMapping/>
   </p:clrMapOvr>
   <mc:AlternateContent xmlns:mc="http://schemas.openxmlformats.org/markup-compatibility/2006">
-    <mc:Choice xmlns:p15="http://schemas.microsoft.com/office/powerpoint/2012/main" Requires="p15">
-      <p:transition xmlns:p14="http://schemas.microsoft.com/office/powerpoint/2010/main" spd="slow" p14:dur="2000">
-        <p15:prstTrans prst="wind"/>
-      </p:transition>
+    <mc:Choice xmlns:p14="http://schemas.microsoft.com/office/powerpoint/2010/main" Requires="p14">
+      <p:transition p14:dur="0"/>
     </mc:Choice>
     <mc:Fallback>
-      <p:transition spd="slow">
-        <p:fade/>
-      </p:transition>
+      <p:transition/>
     </mc:Fallback>
   </mc:AlternateContent>
   <p:timing>
@@ -5246,7 +7696,11 @@
             <p:ph type="title"/>
           </p:nvPr>
         </p:nvSpPr>
-        <p:spPr/>
+        <p:spPr>
+          <a:solidFill>
+            <a:srgbClr val="FF0000"/>
+          </a:solidFill>
+        </p:spPr>
         <p:txBody>
           <a:bodyPr>
             <a:normAutofit/>
@@ -5254,10 +7708,10 @@
           <a:lstStyle/>
           <a:p>
             <a:r>
-              <a:rPr lang="sr-Latn-RS" sz="4800" dirty="0" smtClean="0"/>
-              <a:t>Koraci implementacije</a:t>
-            </a:r>
-            <a:endParaRPr lang="en-US" sz="4800" dirty="0"/>
+              <a:rPr lang="sr-Latn-RS" sz="4600" dirty="0" smtClean="0"/>
+              <a:t>obučavanje neuronske mreže</a:t>
+            </a:r>
+            <a:endParaRPr lang="en-US" sz="4600" dirty="0"/>
           </a:p>
         </p:txBody>
       </p:sp>
@@ -5276,65 +7730,106 @@
           <a:bodyPr/>
           <a:lstStyle/>
           <a:p>
-            <a:pPr algn="just"/>
+            <a:r>
+              <a:rPr lang="sr-Latn-RS" dirty="0"/>
+              <a:t>Nakon što je neuronska mreža obučena za prepoznavanje, sačuvana je u fajl sistemu u vidu dve datoteke </a:t>
+            </a:r>
             <a:r>
               <a:rPr lang="sr-Latn-RS" dirty="0" smtClean="0"/>
-              <a:t>Prvo je potrebno obraditi sliku na kojoj se nalazi jednačina za rješavanje. Obrada same slike sastoji se iz više koraka, kao što su:</a:t>
-            </a:r>
-          </a:p>
-          <a:p>
-            <a:pPr algn="just"/>
-            <a:r>
-              <a:rPr lang="sr-Latn-RS" dirty="0" smtClean="0"/>
-              <a:t>Grayscale, treshold, uklanjanje šumova erozijom i dilatacijom..</a:t>
-            </a:r>
-          </a:p>
-          <a:p>
-            <a:pPr algn="just"/>
-            <a:r>
-              <a:rPr lang="sr-Latn-RS" dirty="0" smtClean="0"/>
-              <a:t>Izdvajanje regiona od interesa. U ovom slučaju, regioni od interesa predstavljaju slova(promjenljive – x, y, z...), cifre, eksponente – ukoliko je riječ o jednačini stepena n.</a:t>
-            </a:r>
-          </a:p>
-          <a:p>
-            <a:pPr algn="just"/>
-            <a:r>
-              <a:rPr lang="sr-Latn-RS" dirty="0" smtClean="0"/>
-              <a:t>Ukoliko je slika rotirana, izvršiti rotiranje regiona.</a:t>
-            </a:r>
-          </a:p>
-          <a:p>
-            <a:pPr algn="just"/>
-            <a:r>
-              <a:rPr lang="sr-Latn-RS" dirty="0" smtClean="0"/>
-              <a:t>Nakon urađenih prethodnih koraka, prosleđujemo regione od interesa neuronskoj mreži radi daljeg prepoznavanja.</a:t>
-            </a:r>
-          </a:p>
-          <a:p>
-            <a:pPr algn="just"/>
-            <a:r>
-              <a:rPr lang="sr-Latn-RS" dirty="0" smtClean="0"/>
-              <a:t>Pošto neuronska mreža prepozna jednačinu, rješavamo istu tako što ćemo slati upit na Wolphramalpha API.</a:t>
-            </a:r>
-          </a:p>
-          <a:p>
-            <a:pPr marL="0" indent="0" algn="just">
-              <a:buNone/>
-            </a:pPr>
+              <a:t>(*.json, *.h5). Json file čuva arhitekturu neuronske mreže, a HDF5 file čuva težine neuronske mreže.</a:t>
+            </a:r>
+            <a:endParaRPr lang="sr-Latn-RS" dirty="0"/>
+          </a:p>
+          <a:p>
             <a:endParaRPr lang="sr-Latn-RS" dirty="0" smtClean="0"/>
           </a:p>
           <a:p>
-            <a:pPr marL="548640" lvl="2" indent="0" algn="just">
-              <a:buNone/>
-            </a:pPr>
+            <a:endParaRPr lang="sr-Latn-RS" dirty="0" smtClean="0"/>
+          </a:p>
+          <a:p>
+            <a:endParaRPr lang="sr-Latn-RS" dirty="0" smtClean="0"/>
+          </a:p>
+          <a:p>
             <a:endParaRPr lang="en-US" dirty="0"/>
           </a:p>
         </p:txBody>
       </p:sp>
+      <p:sp>
+        <p:nvSpPr>
+          <p:cNvPr id="4" name="TextBox 3"/>
+          <p:cNvSpPr txBox="1"/>
+          <p:nvPr/>
+        </p:nvSpPr>
+        <p:spPr>
+          <a:xfrm>
+            <a:off x="2855741" y="4146804"/>
+            <a:ext cx="5725550" cy="307777"/>
+          </a:xfrm>
+          <a:prstGeom prst="rect">
+            <a:avLst/>
+          </a:prstGeom>
+          <a:noFill/>
+        </p:spPr>
+        <p:txBody>
+          <a:bodyPr wrap="square" rtlCol="0">
+            <a:spAutoFit/>
+          </a:bodyPr>
+          <a:lstStyle/>
+          <a:p>
+            <a:pPr algn="ctr"/>
+            <a:r>
+              <a:rPr lang="sr-Latn-RS" sz="1400" dirty="0" smtClean="0"/>
+              <a:t>Slika 7.: Kod za snimanje neuronske mreže</a:t>
+            </a:r>
+            <a:endParaRPr lang="en-US" sz="1400" dirty="0"/>
+          </a:p>
+        </p:txBody>
+      </p:sp>
+      <p:pic>
+        <p:nvPicPr>
+          <p:cNvPr id="5122" name="Picture 2" descr="https://scontent-fra3-1.xx.fbcdn.net/hphotos-xat1/v/t34.0-12/12516321_964202980324291_220891464_n.jpg?oh=bec3e75ae35c75f61b53da484444573e&amp;oe=56C8E4C9"/>
+          <p:cNvPicPr>
+            <a:picLocks noChangeAspect="1" noChangeArrowheads="1"/>
+          </p:cNvPicPr>
+          <p:nvPr/>
+        </p:nvPicPr>
+        <p:blipFill>
+          <a:blip r:embed="rId2">
+            <a:extLst>
+              <a:ext uri="{28A0092B-C50C-407E-A947-70E740481C1C}">
+                <a14:useLocalDpi xmlns:a14="http://schemas.microsoft.com/office/drawing/2010/main" val="0"/>
+              </a:ext>
+            </a:extLst>
+          </a:blip>
+          <a:srcRect/>
+          <a:stretch>
+            <a:fillRect/>
+          </a:stretch>
+        </p:blipFill>
+        <p:spPr bwMode="auto">
+          <a:xfrm>
+            <a:off x="2855741" y="3347951"/>
+            <a:ext cx="6246055" cy="676933"/>
+          </a:xfrm>
+          <a:prstGeom prst="rect">
+            <a:avLst/>
+          </a:prstGeom>
+          <a:noFill/>
+          <a:extLst>
+            <a:ext uri="{909E8E84-426E-40DD-AFC4-6F175D3DCCD1}">
+              <a14:hiddenFill xmlns:a14="http://schemas.microsoft.com/office/drawing/2010/main">
+                <a:solidFill>
+                  <a:srgbClr val="FFFFFF"/>
+                </a:solidFill>
+              </a14:hiddenFill>
+            </a:ext>
+          </a:extLst>
+        </p:spPr>
+      </p:pic>
     </p:spTree>
     <p:extLst>
       <p:ext uri="{BB962C8B-B14F-4D97-AF65-F5344CB8AC3E}">
-        <p14:creationId xmlns:p14="http://schemas.microsoft.com/office/powerpoint/2010/main" val="109164672"/>
+        <p14:creationId xmlns:p14="http://schemas.microsoft.com/office/powerpoint/2010/main" val="1885056477"/>
       </p:ext>
     </p:extLst>
   </p:cSld>
@@ -5342,15 +7837,11 @@
     <a:masterClrMapping/>
   </p:clrMapOvr>
   <mc:AlternateContent xmlns:mc="http://schemas.openxmlformats.org/markup-compatibility/2006">
-    <mc:Choice xmlns:p15="http://schemas.microsoft.com/office/powerpoint/2012/main" Requires="p15">
-      <p:transition xmlns:p14="http://schemas.microsoft.com/office/powerpoint/2010/main" spd="slow" p14:dur="2000">
-        <p15:prstTrans prst="wind"/>
-      </p:transition>
+    <mc:Choice xmlns:p14="http://schemas.microsoft.com/office/powerpoint/2010/main" Requires="p14">
+      <p:transition p14:dur="0"/>
     </mc:Choice>
     <mc:Fallback>
-      <p:transition spd="slow">
-        <p:fade/>
-      </p:transition>
+      <p:transition/>
     </mc:Fallback>
   </mc:AlternateContent>
   <p:timing>
@@ -5382,7 +7873,7 @@
       </p:grpSpPr>
       <p:sp>
         <p:nvSpPr>
-          <p:cNvPr id="4" name="Title 3"/>
+          <p:cNvPr id="2" name="Title 1"/>
           <p:cNvSpPr>
             <a:spLocks noGrp="1"/>
           </p:cNvSpPr>
@@ -5391,28 +7882,132 @@
           </p:nvPr>
         </p:nvSpPr>
         <p:spPr>
-          <a:xfrm>
-            <a:off x="1337134" y="2425974"/>
-            <a:ext cx="10058400" cy="1609344"/>
-          </a:xfrm>
-        </p:spPr>
+          <a:solidFill>
+            <a:schemeClr val="accent1"/>
+          </a:solidFill>
+        </p:spPr>
+        <p:txBody>
+          <a:bodyPr>
+            <a:normAutofit/>
+          </a:bodyPr>
+          <a:lstStyle/>
+          <a:p>
+            <a:r>
+              <a:rPr lang="sr-Latn-RS" sz="4800" dirty="0" smtClean="0"/>
+              <a:t>Učitavanje slike</a:t>
+            </a:r>
+            <a:endParaRPr lang="en-US" sz="4800" dirty="0"/>
+          </a:p>
+        </p:txBody>
+      </p:sp>
+      <p:sp>
+        <p:nvSpPr>
+          <p:cNvPr id="3" name="Content Placeholder 2"/>
+          <p:cNvSpPr>
+            <a:spLocks noGrp="1"/>
+          </p:cNvSpPr>
+          <p:nvPr>
+            <p:ph idx="1"/>
+          </p:nvPr>
+        </p:nvSpPr>
+        <p:spPr/>
         <p:txBody>
           <a:bodyPr/>
           <a:lstStyle/>
           <a:p>
+            <a:r>
+              <a:rPr lang="sr-Latn-RS" dirty="0" smtClean="0"/>
+              <a:t>Aplikacija nudi mogućnost korisniku da sam izabere sliku sa koje želi da se reši jednačina.</a:t>
+            </a:r>
+          </a:p>
+          <a:p>
+            <a:r>
+              <a:rPr lang="sr-Latn-RS" dirty="0" smtClean="0"/>
+              <a:t>Podržani formati slika su: *.jpg, *.jpeg, *.jpe, *.jfif, *.png</a:t>
+            </a:r>
+            <a:endParaRPr lang="sr-Latn-RS" dirty="0" smtClean="0"/>
+          </a:p>
+          <a:p>
+            <a:endParaRPr lang="en-US" dirty="0"/>
+          </a:p>
+        </p:txBody>
+      </p:sp>
+      <p:pic>
+        <p:nvPicPr>
+          <p:cNvPr id="1028" name="Picture 4" descr="https://scontent-fra3-1.xx.fbcdn.net/hphotos-xap1/v/t34.0-12/12722052_964190793658843_369069767_n.jpg?oh=1d97453f3ff85ccb4b9a25ef8b64ef84&amp;oe=56C8F7D9"/>
+          <p:cNvPicPr>
+            <a:picLocks noChangeAspect="1" noChangeArrowheads="1"/>
+          </p:cNvPicPr>
+          <p:nvPr/>
+        </p:nvPicPr>
+        <p:blipFill>
+          <a:blip r:embed="rId2">
+            <a:extLst>
+              <a:ext uri="{28A0092B-C50C-407E-A947-70E740481C1C}">
+                <a14:useLocalDpi xmlns:a14="http://schemas.microsoft.com/office/drawing/2010/main" val="0"/>
+              </a:ext>
+            </a:extLst>
+          </a:blip>
+          <a:srcRect/>
+          <a:stretch>
+            <a:fillRect/>
+          </a:stretch>
+        </p:blipFill>
+        <p:spPr bwMode="auto">
+          <a:xfrm>
+            <a:off x="2860139" y="3926759"/>
+            <a:ext cx="5572125" cy="1247775"/>
+          </a:xfrm>
+          <a:prstGeom prst="rect">
+            <a:avLst/>
+          </a:prstGeom>
+          <a:noFill/>
+          <a:extLst>
+            <a:ext uri="{909E8E84-426E-40DD-AFC4-6F175D3DCCD1}">
+              <a14:hiddenFill xmlns:a14="http://schemas.microsoft.com/office/drawing/2010/main">
+                <a:solidFill>
+                  <a:srgbClr val="FFFFFF"/>
+                </a:solidFill>
+              </a14:hiddenFill>
+            </a:ext>
+          </a:extLst>
+        </p:spPr>
+      </p:pic>
+      <p:sp>
+        <p:nvSpPr>
+          <p:cNvPr id="5" name="TextBox 4"/>
+          <p:cNvSpPr txBox="1"/>
+          <p:nvPr/>
+        </p:nvSpPr>
+        <p:spPr>
+          <a:xfrm>
+            <a:off x="2860139" y="5365589"/>
+            <a:ext cx="5572125" cy="307777"/>
+          </a:xfrm>
+          <a:prstGeom prst="rect">
+            <a:avLst/>
+          </a:prstGeom>
+          <a:noFill/>
+        </p:spPr>
+        <p:txBody>
+          <a:bodyPr wrap="square" rtlCol="0">
+            <a:spAutoFit/>
+          </a:bodyPr>
+          <a:lstStyle/>
+          <a:p>
             <a:pPr algn="ctr"/>
             <a:r>
-              <a:rPr lang="sr-Latn-RS" dirty="0" smtClean="0"/>
-              <a:t>HVALA NA PAŽNJI!</a:t>
-            </a:r>
-            <a:endParaRPr lang="en-US" dirty="0"/>
+              <a:rPr lang="sr-Latn-RS" sz="1400" dirty="0" smtClean="0"/>
+              <a:t>Slika 5.: Učitavanje slike </a:t>
+            </a:r>
+            <a:endParaRPr lang="en-US" sz="1400" dirty="0"/>
           </a:p>
         </p:txBody>
       </p:sp>
     </p:spTree>
     <p:extLst>
       <p:ext uri="{BB962C8B-B14F-4D97-AF65-F5344CB8AC3E}">
-        <p14:creationId xmlns:p14="http://schemas.microsoft.com/office/powerpoint/2010/main" val="4207982291"/>
+        <p14:creationId xmlns:p14="http://schemas.microsoft.com/office/powerpoint/2010/main" val="3361173717"/>
       </p:ext>
     </p:extLst>
   </p:cSld>
@@ -5421,22 +8016,10 @@
   </p:clrMapOvr>
   <mc:AlternateContent xmlns:mc="http://schemas.openxmlformats.org/markup-compatibility/2006">
     <mc:Choice xmlns:p14="http://schemas.microsoft.com/office/powerpoint/2010/main" Requires="p14">
-      <p:transition spd="slow" p14:dur="2000">
-        <p:sndAc>
-          <p:stSnd>
-            <p:snd r:embed="rId2" name="applause.wav"/>
-          </p:stSnd>
-        </p:sndAc>
-      </p:transition>
+      <p:transition p14:dur="0"/>
     </mc:Choice>
     <mc:Fallback>
-      <p:transition spd="slow">
-        <p:sndAc>
-          <p:stSnd>
-            <p:snd r:embed="rId2" name="applause.wav"/>
-          </p:stSnd>
-        </p:sndAc>
-      </p:transition>
+      <p:transition/>
     </mc:Fallback>
   </mc:AlternateContent>
   <p:timing>
